--- a/Presentaties/1Projectvoorstel/Projectvoorstel.pptx
+++ b/Presentaties/1Projectvoorstel/Projectvoorstel.pptx
@@ -109,6 +109,11 @@
       </a:defRPr>
     </a:lvl9pPr>
   </p:defaultTextStyle>
+  <p:extLst>
+    <p:ext uri="{EFAFB233-063F-42B5-8137-9DF3F51BA10A}">
+      <p15:sldGuideLst xmlns:p15="http://schemas.microsoft.com/office/powerpoint/2012/main"/>
+    </p:ext>
+  </p:extLst>
 </p:presentation>
 </file>
 
@@ -156,7 +161,7 @@
           </a:lstStyle>
           <a:p>
             <a:r>
-              <a:rPr lang="nl-NL" smtClean="0"/>
+              <a:rPr lang="nl-NL"/>
               <a:t>Klik om de stijl te bewerken</a:t>
             </a:r>
             <a:endParaRPr lang="en-US" dirty="0"/>
@@ -221,7 +226,7 @@
           </a:lstStyle>
           <a:p>
             <a:r>
-              <a:rPr lang="nl-NL" smtClean="0"/>
+              <a:rPr lang="nl-NL"/>
               <a:t>Klik om de ondertitelstijl van het model te bewerken</a:t>
             </a:r>
             <a:endParaRPr lang="en-US" dirty="0"/>
@@ -246,7 +251,7 @@
             <a:fld id="{B61BEF0D-F0BB-DE4B-95CE-6DB70DBA9567}" type="datetimeFigureOut">
               <a:rPr lang="en-US" smtClean="0"/>
               <a:pPr/>
-              <a:t>9/22/2019</a:t>
+              <a:t>23-Sep-19</a:t>
             </a:fld>
             <a:endParaRPr lang="en-US" dirty="0"/>
           </a:p>
@@ -352,7 +357,7 @@
           </a:lstStyle>
           <a:p>
             <a:r>
-              <a:rPr lang="nl-NL" smtClean="0"/>
+              <a:rPr lang="nl-NL"/>
               <a:t>Klik om de stijl te bewerken</a:t>
             </a:r>
             <a:endParaRPr lang="en-US" dirty="0"/>
@@ -443,7 +448,7 @@
           </a:lstStyle>
           <a:p>
             <a:r>
-              <a:rPr lang="nl-NL" smtClean="0"/>
+              <a:rPr lang="nl-NL"/>
               <a:t>Klik op het pictogram als u een afbeelding wilt toevoegen</a:t>
             </a:r>
             <a:endParaRPr lang="en-US" dirty="0"/>
@@ -511,7 +516,7 @@
           <a:p>
             <a:pPr lvl="0"/>
             <a:r>
-              <a:rPr lang="nl-NL" smtClean="0"/>
+              <a:rPr lang="nl-NL"/>
               <a:t>Klik om de modelstijlen te bewerken</a:t>
             </a:r>
           </a:p>
@@ -535,7 +540,7 @@
             <a:fld id="{B61BEF0D-F0BB-DE4B-95CE-6DB70DBA9567}" type="datetimeFigureOut">
               <a:rPr lang="en-US" smtClean="0"/>
               <a:pPr/>
-              <a:t>9/22/2019</a:t>
+              <a:t>23-Sep-19</a:t>
             </a:fld>
             <a:endParaRPr lang="en-US" dirty="0"/>
           </a:p>
@@ -639,7 +644,7 @@
           </a:lstStyle>
           <a:p>
             <a:r>
-              <a:rPr lang="nl-NL" smtClean="0"/>
+              <a:rPr lang="nl-NL"/>
               <a:t>Klik om de stijl te bewerken</a:t>
             </a:r>
             <a:endParaRPr lang="en-US" dirty="0"/>
@@ -705,7 +710,7 @@
           <a:p>
             <a:pPr lvl="0"/>
             <a:r>
-              <a:rPr lang="nl-NL" smtClean="0"/>
+              <a:rPr lang="nl-NL"/>
               <a:t>Klik om de modelstijlen te bewerken</a:t>
             </a:r>
           </a:p>
@@ -729,7 +734,7 @@
             <a:fld id="{B61BEF0D-F0BB-DE4B-95CE-6DB70DBA9567}" type="datetimeFigureOut">
               <a:rPr lang="en-US" smtClean="0"/>
               <a:pPr/>
-              <a:t>9/22/2019</a:t>
+              <a:t>23-Sep-19</a:t>
             </a:fld>
             <a:endParaRPr lang="en-US" dirty="0"/>
           </a:p>
@@ -833,7 +838,7 @@
           </a:lstStyle>
           <a:p>
             <a:r>
-              <a:rPr lang="nl-NL" smtClean="0"/>
+              <a:rPr lang="nl-NL"/>
               <a:t>Klik om de stijl te bewerken</a:t>
             </a:r>
             <a:endParaRPr lang="en-US" dirty="0"/>
@@ -901,7 +906,7 @@
           <a:p>
             <a:pPr lvl="0"/>
             <a:r>
-              <a:rPr lang="nl-NL" smtClean="0"/>
+              <a:rPr lang="nl-NL"/>
               <a:t>Klik om de modelstijlen te bewerken</a:t>
             </a:r>
           </a:p>
@@ -968,7 +973,7 @@
           <a:p>
             <a:pPr lvl="0"/>
             <a:r>
-              <a:rPr lang="nl-NL" smtClean="0"/>
+              <a:rPr lang="nl-NL"/>
               <a:t>Klik om de modelstijlen te bewerken</a:t>
             </a:r>
           </a:p>
@@ -992,7 +997,7 @@
             <a:fld id="{B61BEF0D-F0BB-DE4B-95CE-6DB70DBA9567}" type="datetimeFigureOut">
               <a:rPr lang="en-US" smtClean="0"/>
               <a:pPr/>
-              <a:t>9/22/2019</a:t>
+              <a:t>23-Sep-19</a:t>
             </a:fld>
             <a:endParaRPr lang="en-US" dirty="0"/>
           </a:p>
@@ -1328,7 +1333,7 @@
           </a:lstStyle>
           <a:p>
             <a:r>
-              <a:rPr lang="nl-NL" smtClean="0"/>
+              <a:rPr lang="nl-NL"/>
               <a:t>Klik om de stijl te bewerken</a:t>
             </a:r>
             <a:endParaRPr lang="en-US" dirty="0"/>
@@ -1394,7 +1399,7 @@
           <a:p>
             <a:pPr lvl="0"/>
             <a:r>
-              <a:rPr lang="nl-NL" smtClean="0"/>
+              <a:rPr lang="nl-NL"/>
               <a:t>Klik om de modelstijlen te bewerken</a:t>
             </a:r>
           </a:p>
@@ -1418,7 +1423,7 @@
             <a:fld id="{B61BEF0D-F0BB-DE4B-95CE-6DB70DBA9567}" type="datetimeFigureOut">
               <a:rPr lang="en-US" smtClean="0"/>
               <a:pPr/>
-              <a:t>9/22/2019</a:t>
+              <a:t>23-Sep-19</a:t>
             </a:fld>
             <a:endParaRPr lang="en-US" dirty="0"/>
           </a:p>
@@ -1518,7 +1523,7 @@
           <a:lstStyle/>
           <a:p>
             <a:r>
-              <a:rPr lang="nl-NL" smtClean="0"/>
+              <a:rPr lang="nl-NL"/>
               <a:t>Klik om de stijl te bewerken</a:t>
             </a:r>
             <a:endParaRPr lang="en-US" dirty="0"/>
@@ -1593,7 +1598,7 @@
           <a:p>
             <a:pPr lvl="0"/>
             <a:r>
-              <a:rPr lang="nl-NL" smtClean="0"/>
+              <a:rPr lang="nl-NL"/>
               <a:t>Klik om de modelstijlen te bewerken</a:t>
             </a:r>
           </a:p>
@@ -1660,7 +1665,7 @@
           <a:p>
             <a:pPr lvl="0"/>
             <a:r>
-              <a:rPr lang="nl-NL" smtClean="0"/>
+              <a:rPr lang="nl-NL"/>
               <a:t>Klik om de modelstijlen te bewerken</a:t>
             </a:r>
           </a:p>
@@ -1734,7 +1739,7 @@
           <a:p>
             <a:pPr lvl="0"/>
             <a:r>
-              <a:rPr lang="nl-NL" smtClean="0"/>
+              <a:rPr lang="nl-NL"/>
               <a:t>Klik om de modelstijlen te bewerken</a:t>
             </a:r>
           </a:p>
@@ -1801,7 +1806,7 @@
           <a:p>
             <a:pPr lvl="0"/>
             <a:r>
-              <a:rPr lang="nl-NL" smtClean="0"/>
+              <a:rPr lang="nl-NL"/>
               <a:t>Klik om de modelstijlen te bewerken</a:t>
             </a:r>
           </a:p>
@@ -1875,7 +1880,7 @@
           <a:p>
             <a:pPr lvl="0"/>
             <a:r>
-              <a:rPr lang="nl-NL" smtClean="0"/>
+              <a:rPr lang="nl-NL"/>
               <a:t>Klik om de modelstijlen te bewerken</a:t>
             </a:r>
           </a:p>
@@ -1942,7 +1947,7 @@
           <a:p>
             <a:pPr lvl="0"/>
             <a:r>
-              <a:rPr lang="nl-NL" smtClean="0"/>
+              <a:rPr lang="nl-NL"/>
               <a:t>Klik om de modelstijlen te bewerken</a:t>
             </a:r>
           </a:p>
@@ -1966,7 +1971,7 @@
             <a:fld id="{B61BEF0D-F0BB-DE4B-95CE-6DB70DBA9567}" type="datetimeFigureOut">
               <a:rPr lang="en-US" smtClean="0"/>
               <a:pPr/>
-              <a:t>9/22/2019</a:t>
+              <a:t>23-Sep-19</a:t>
             </a:fld>
             <a:endParaRPr lang="en-US" dirty="0"/>
           </a:p>
@@ -2066,7 +2071,7 @@
           <a:lstStyle/>
           <a:p>
             <a:r>
-              <a:rPr lang="nl-NL" smtClean="0"/>
+              <a:rPr lang="nl-NL"/>
               <a:t>Klik om de stijl te bewerken</a:t>
             </a:r>
             <a:endParaRPr lang="en-US" dirty="0"/>
@@ -2141,7 +2146,7 @@
           <a:p>
             <a:pPr lvl="0"/>
             <a:r>
-              <a:rPr lang="nl-NL" smtClean="0"/>
+              <a:rPr lang="nl-NL"/>
               <a:t>Klik om de modelstijlen te bewerken</a:t>
             </a:r>
           </a:p>
@@ -2238,7 +2243,7 @@
           </a:lstStyle>
           <a:p>
             <a:r>
-              <a:rPr lang="nl-NL" smtClean="0"/>
+              <a:rPr lang="nl-NL"/>
               <a:t>Klik op het pictogram als u een afbeelding wilt toevoegen</a:t>
             </a:r>
             <a:endParaRPr lang="en-US" dirty="0"/>
@@ -2306,7 +2311,7 @@
           <a:p>
             <a:pPr lvl="0"/>
             <a:r>
-              <a:rPr lang="nl-NL" smtClean="0"/>
+              <a:rPr lang="nl-NL"/>
               <a:t>Klik om de modelstijlen te bewerken</a:t>
             </a:r>
           </a:p>
@@ -2380,7 +2385,7 @@
           <a:p>
             <a:pPr lvl="0"/>
             <a:r>
-              <a:rPr lang="nl-NL" smtClean="0"/>
+              <a:rPr lang="nl-NL"/>
               <a:t>Klik om de modelstijlen te bewerken</a:t>
             </a:r>
           </a:p>
@@ -2477,7 +2482,7 @@
           </a:lstStyle>
           <a:p>
             <a:r>
-              <a:rPr lang="nl-NL" smtClean="0"/>
+              <a:rPr lang="nl-NL"/>
               <a:t>Klik op het pictogram als u een afbeelding wilt toevoegen</a:t>
             </a:r>
             <a:endParaRPr lang="en-US" dirty="0"/>
@@ -2545,7 +2550,7 @@
           <a:p>
             <a:pPr lvl="0"/>
             <a:r>
-              <a:rPr lang="nl-NL" smtClean="0"/>
+              <a:rPr lang="nl-NL"/>
               <a:t>Klik om de modelstijlen te bewerken</a:t>
             </a:r>
           </a:p>
@@ -2619,7 +2624,7 @@
           <a:p>
             <a:pPr lvl="0"/>
             <a:r>
-              <a:rPr lang="nl-NL" smtClean="0"/>
+              <a:rPr lang="nl-NL"/>
               <a:t>Klik om de modelstijlen te bewerken</a:t>
             </a:r>
           </a:p>
@@ -2716,7 +2721,7 @@
           </a:lstStyle>
           <a:p>
             <a:r>
-              <a:rPr lang="nl-NL" smtClean="0"/>
+              <a:rPr lang="nl-NL"/>
               <a:t>Klik op het pictogram als u een afbeelding wilt toevoegen</a:t>
             </a:r>
             <a:endParaRPr lang="en-US" dirty="0"/>
@@ -2784,7 +2789,7 @@
           <a:p>
             <a:pPr lvl="0"/>
             <a:r>
-              <a:rPr lang="nl-NL" smtClean="0"/>
+              <a:rPr lang="nl-NL"/>
               <a:t>Klik om de modelstijlen te bewerken</a:t>
             </a:r>
           </a:p>
@@ -2808,7 +2813,7 @@
             <a:fld id="{B61BEF0D-F0BB-DE4B-95CE-6DB70DBA9567}" type="datetimeFigureOut">
               <a:rPr lang="en-US" smtClean="0"/>
               <a:pPr/>
-              <a:t>9/22/2019</a:t>
+              <a:t>23-Sep-19</a:t>
             </a:fld>
             <a:endParaRPr lang="en-US" dirty="0"/>
           </a:p>
@@ -2903,7 +2908,7 @@
           <a:lstStyle/>
           <a:p>
             <a:r>
-              <a:rPr lang="nl-NL" smtClean="0"/>
+              <a:rPr lang="nl-NL"/>
               <a:t>Klik om de stijl te bewerken</a:t>
             </a:r>
             <a:endParaRPr lang="en-US" dirty="0"/>
@@ -2927,35 +2932,35 @@
           <a:p>
             <a:pPr lvl="0"/>
             <a:r>
-              <a:rPr lang="nl-NL" smtClean="0"/>
+              <a:rPr lang="nl-NL"/>
               <a:t>Klik om de modelstijlen te bewerken</a:t>
             </a:r>
           </a:p>
           <a:p>
             <a:pPr lvl="1"/>
             <a:r>
-              <a:rPr lang="nl-NL" smtClean="0"/>
+              <a:rPr lang="nl-NL"/>
               <a:t>Tweede niveau</a:t>
             </a:r>
           </a:p>
           <a:p>
             <a:pPr lvl="2"/>
             <a:r>
-              <a:rPr lang="nl-NL" smtClean="0"/>
+              <a:rPr lang="nl-NL"/>
               <a:t>Derde niveau</a:t>
             </a:r>
           </a:p>
           <a:p>
             <a:pPr lvl="3"/>
             <a:r>
-              <a:rPr lang="nl-NL" smtClean="0"/>
+              <a:rPr lang="nl-NL"/>
               <a:t>Vierde niveau</a:t>
             </a:r>
           </a:p>
           <a:p>
             <a:pPr lvl="4"/>
             <a:r>
-              <a:rPr lang="nl-NL" smtClean="0"/>
+              <a:rPr lang="nl-NL"/>
               <a:t>Vijfde niveau</a:t>
             </a:r>
             <a:endParaRPr lang="en-US" dirty="0"/>
@@ -2980,7 +2985,7 @@
             <a:fld id="{B61BEF0D-F0BB-DE4B-95CE-6DB70DBA9567}" type="datetimeFigureOut">
               <a:rPr lang="en-US" smtClean="0"/>
               <a:pPr/>
-              <a:t>9/22/2019</a:t>
+              <a:t>23-Sep-19</a:t>
             </a:fld>
             <a:endParaRPr lang="en-US" dirty="0"/>
           </a:p>
@@ -3084,7 +3089,7 @@
           </a:lstStyle>
           <a:p>
             <a:r>
-              <a:rPr lang="nl-NL" smtClean="0"/>
+              <a:rPr lang="nl-NL"/>
               <a:t>Klik om de stijl te bewerken</a:t>
             </a:r>
             <a:endParaRPr lang="en-US" dirty="0"/>
@@ -3113,35 +3118,35 @@
           <a:p>
             <a:pPr lvl="0"/>
             <a:r>
-              <a:rPr lang="nl-NL" smtClean="0"/>
+              <a:rPr lang="nl-NL"/>
               <a:t>Klik om de modelstijlen te bewerken</a:t>
             </a:r>
           </a:p>
           <a:p>
             <a:pPr lvl="1"/>
             <a:r>
-              <a:rPr lang="nl-NL" smtClean="0"/>
+              <a:rPr lang="nl-NL"/>
               <a:t>Tweede niveau</a:t>
             </a:r>
           </a:p>
           <a:p>
             <a:pPr lvl="2"/>
             <a:r>
-              <a:rPr lang="nl-NL" smtClean="0"/>
+              <a:rPr lang="nl-NL"/>
               <a:t>Derde niveau</a:t>
             </a:r>
           </a:p>
           <a:p>
             <a:pPr lvl="3"/>
             <a:r>
-              <a:rPr lang="nl-NL" smtClean="0"/>
+              <a:rPr lang="nl-NL"/>
               <a:t>Vierde niveau</a:t>
             </a:r>
           </a:p>
           <a:p>
             <a:pPr lvl="4"/>
             <a:r>
-              <a:rPr lang="nl-NL" smtClean="0"/>
+              <a:rPr lang="nl-NL"/>
               <a:t>Vijfde niveau</a:t>
             </a:r>
             <a:endParaRPr lang="en-US" dirty="0"/>
@@ -3166,7 +3171,7 @@
             <a:fld id="{B61BEF0D-F0BB-DE4B-95CE-6DB70DBA9567}" type="datetimeFigureOut">
               <a:rPr lang="en-US" smtClean="0"/>
               <a:pPr/>
-              <a:t>9/22/2019</a:t>
+              <a:t>23-Sep-19</a:t>
             </a:fld>
             <a:endParaRPr lang="en-US" dirty="0"/>
           </a:p>
@@ -3261,7 +3266,7 @@
           <a:lstStyle/>
           <a:p>
             <a:r>
-              <a:rPr lang="nl-NL" smtClean="0"/>
+              <a:rPr lang="nl-NL"/>
               <a:t>Klik om de stijl te bewerken</a:t>
             </a:r>
             <a:endParaRPr lang="en-US" dirty="0"/>
@@ -3285,35 +3290,35 @@
           <a:p>
             <a:pPr lvl="0"/>
             <a:r>
-              <a:rPr lang="nl-NL" smtClean="0"/>
+              <a:rPr lang="nl-NL"/>
               <a:t>Klik om de modelstijlen te bewerken</a:t>
             </a:r>
           </a:p>
           <a:p>
             <a:pPr lvl="1"/>
             <a:r>
-              <a:rPr lang="nl-NL" smtClean="0"/>
+              <a:rPr lang="nl-NL"/>
               <a:t>Tweede niveau</a:t>
             </a:r>
           </a:p>
           <a:p>
             <a:pPr lvl="2"/>
             <a:r>
-              <a:rPr lang="nl-NL" smtClean="0"/>
+              <a:rPr lang="nl-NL"/>
               <a:t>Derde niveau</a:t>
             </a:r>
           </a:p>
           <a:p>
             <a:pPr lvl="3"/>
             <a:r>
-              <a:rPr lang="nl-NL" smtClean="0"/>
+              <a:rPr lang="nl-NL"/>
               <a:t>Vierde niveau</a:t>
             </a:r>
           </a:p>
           <a:p>
             <a:pPr lvl="4"/>
             <a:r>
-              <a:rPr lang="nl-NL" smtClean="0"/>
+              <a:rPr lang="nl-NL"/>
               <a:t>Vijfde niveau</a:t>
             </a:r>
             <a:endParaRPr lang="en-US" dirty="0"/>
@@ -3338,7 +3343,7 @@
             <a:fld id="{B61BEF0D-F0BB-DE4B-95CE-6DB70DBA9567}" type="datetimeFigureOut">
               <a:rPr lang="en-US" smtClean="0"/>
               <a:pPr/>
-              <a:t>9/22/2019</a:t>
+              <a:t>23-Sep-19</a:t>
             </a:fld>
             <a:endParaRPr lang="en-US" dirty="0"/>
           </a:p>
@@ -3444,7 +3449,7 @@
           </a:lstStyle>
           <a:p>
             <a:r>
-              <a:rPr lang="nl-NL" smtClean="0"/>
+              <a:rPr lang="nl-NL"/>
               <a:t>Klik om de stijl te bewerken</a:t>
             </a:r>
             <a:endParaRPr lang="en-US" dirty="0"/>
@@ -3564,7 +3569,7 @@
           <a:p>
             <a:pPr lvl="0"/>
             <a:r>
-              <a:rPr lang="nl-NL" smtClean="0"/>
+              <a:rPr lang="nl-NL"/>
               <a:t>Klik om de modelstijlen te bewerken</a:t>
             </a:r>
           </a:p>
@@ -3588,7 +3593,7 @@
             <a:fld id="{B61BEF0D-F0BB-DE4B-95CE-6DB70DBA9567}" type="datetimeFigureOut">
               <a:rPr lang="en-US" smtClean="0"/>
               <a:pPr/>
-              <a:t>9/22/2019</a:t>
+              <a:t>23-Sep-19</a:t>
             </a:fld>
             <a:endParaRPr lang="en-US" dirty="0"/>
           </a:p>
@@ -3688,7 +3693,7 @@
           <a:lstStyle/>
           <a:p>
             <a:r>
-              <a:rPr lang="nl-NL" smtClean="0"/>
+              <a:rPr lang="nl-NL"/>
               <a:t>Klik om de stijl te bewerken</a:t>
             </a:r>
             <a:endParaRPr lang="en-US" dirty="0"/>
@@ -3717,35 +3722,35 @@
           <a:p>
             <a:pPr lvl="0"/>
             <a:r>
-              <a:rPr lang="nl-NL" smtClean="0"/>
+              <a:rPr lang="nl-NL"/>
               <a:t>Klik om de modelstijlen te bewerken</a:t>
             </a:r>
           </a:p>
           <a:p>
             <a:pPr lvl="1"/>
             <a:r>
-              <a:rPr lang="nl-NL" smtClean="0"/>
+              <a:rPr lang="nl-NL"/>
               <a:t>Tweede niveau</a:t>
             </a:r>
           </a:p>
           <a:p>
             <a:pPr lvl="2"/>
             <a:r>
-              <a:rPr lang="nl-NL" smtClean="0"/>
+              <a:rPr lang="nl-NL"/>
               <a:t>Derde niveau</a:t>
             </a:r>
           </a:p>
           <a:p>
             <a:pPr lvl="3"/>
             <a:r>
-              <a:rPr lang="nl-NL" smtClean="0"/>
+              <a:rPr lang="nl-NL"/>
               <a:t>Vierde niveau</a:t>
             </a:r>
           </a:p>
           <a:p>
             <a:pPr lvl="4"/>
             <a:r>
-              <a:rPr lang="nl-NL" smtClean="0"/>
+              <a:rPr lang="nl-NL"/>
               <a:t>Vijfde niveau</a:t>
             </a:r>
             <a:endParaRPr lang="en-US" dirty="0"/>
@@ -3774,35 +3779,35 @@
           <a:p>
             <a:pPr lvl="0"/>
             <a:r>
-              <a:rPr lang="nl-NL" smtClean="0"/>
+              <a:rPr lang="nl-NL"/>
               <a:t>Klik om de modelstijlen te bewerken</a:t>
             </a:r>
           </a:p>
           <a:p>
             <a:pPr lvl="1"/>
             <a:r>
-              <a:rPr lang="nl-NL" smtClean="0"/>
+              <a:rPr lang="nl-NL"/>
               <a:t>Tweede niveau</a:t>
             </a:r>
           </a:p>
           <a:p>
             <a:pPr lvl="2"/>
             <a:r>
-              <a:rPr lang="nl-NL" smtClean="0"/>
+              <a:rPr lang="nl-NL"/>
               <a:t>Derde niveau</a:t>
             </a:r>
           </a:p>
           <a:p>
             <a:pPr lvl="3"/>
             <a:r>
-              <a:rPr lang="nl-NL" smtClean="0"/>
+              <a:rPr lang="nl-NL"/>
               <a:t>Vierde niveau</a:t>
             </a:r>
           </a:p>
           <a:p>
             <a:pPr lvl="4"/>
             <a:r>
-              <a:rPr lang="nl-NL" smtClean="0"/>
+              <a:rPr lang="nl-NL"/>
               <a:t>Vijfde niveau</a:t>
             </a:r>
             <a:endParaRPr lang="en-US" dirty="0"/>
@@ -3827,7 +3832,7 @@
             <a:fld id="{B61BEF0D-F0BB-DE4B-95CE-6DB70DBA9567}" type="datetimeFigureOut">
               <a:rPr lang="en-US" smtClean="0"/>
               <a:pPr/>
-              <a:t>9/22/2019</a:t>
+              <a:t>23-Sep-19</a:t>
             </a:fld>
             <a:endParaRPr lang="en-US" dirty="0"/>
           </a:p>
@@ -3927,7 +3932,7 @@
           <a:lstStyle/>
           <a:p>
             <a:r>
-              <a:rPr lang="nl-NL" smtClean="0"/>
+              <a:rPr lang="nl-NL"/>
               <a:t>Klik om de stijl te bewerken</a:t>
             </a:r>
             <a:endParaRPr lang="en-US" dirty="0"/>
@@ -3996,7 +4001,7 @@
           <a:p>
             <a:pPr lvl="0"/>
             <a:r>
-              <a:rPr lang="nl-NL" smtClean="0"/>
+              <a:rPr lang="nl-NL"/>
               <a:t>Klik om de modelstijlen te bewerken</a:t>
             </a:r>
           </a:p>
@@ -4024,35 +4029,35 @@
           <a:p>
             <a:pPr lvl="0"/>
             <a:r>
-              <a:rPr lang="nl-NL" smtClean="0"/>
+              <a:rPr lang="nl-NL"/>
               <a:t>Klik om de modelstijlen te bewerken</a:t>
             </a:r>
           </a:p>
           <a:p>
             <a:pPr lvl="1"/>
             <a:r>
-              <a:rPr lang="nl-NL" smtClean="0"/>
+              <a:rPr lang="nl-NL"/>
               <a:t>Tweede niveau</a:t>
             </a:r>
           </a:p>
           <a:p>
             <a:pPr lvl="2"/>
             <a:r>
-              <a:rPr lang="nl-NL" smtClean="0"/>
+              <a:rPr lang="nl-NL"/>
               <a:t>Derde niveau</a:t>
             </a:r>
           </a:p>
           <a:p>
             <a:pPr lvl="3"/>
             <a:r>
-              <a:rPr lang="nl-NL" smtClean="0"/>
+              <a:rPr lang="nl-NL"/>
               <a:t>Vierde niveau</a:t>
             </a:r>
           </a:p>
           <a:p>
             <a:pPr lvl="4"/>
             <a:r>
-              <a:rPr lang="nl-NL" smtClean="0"/>
+              <a:rPr lang="nl-NL"/>
               <a:t>Vijfde niveau</a:t>
             </a:r>
             <a:endParaRPr lang="en-US" dirty="0"/>
@@ -4121,7 +4126,7 @@
           <a:p>
             <a:pPr lvl="0"/>
             <a:r>
-              <a:rPr lang="nl-NL" smtClean="0"/>
+              <a:rPr lang="nl-NL"/>
               <a:t>Klik om de modelstijlen te bewerken</a:t>
             </a:r>
           </a:p>
@@ -4149,35 +4154,35 @@
           <a:p>
             <a:pPr lvl="0"/>
             <a:r>
-              <a:rPr lang="nl-NL" smtClean="0"/>
+              <a:rPr lang="nl-NL"/>
               <a:t>Klik om de modelstijlen te bewerken</a:t>
             </a:r>
           </a:p>
           <a:p>
             <a:pPr lvl="1"/>
             <a:r>
-              <a:rPr lang="nl-NL" smtClean="0"/>
+              <a:rPr lang="nl-NL"/>
               <a:t>Tweede niveau</a:t>
             </a:r>
           </a:p>
           <a:p>
             <a:pPr lvl="2"/>
             <a:r>
-              <a:rPr lang="nl-NL" smtClean="0"/>
+              <a:rPr lang="nl-NL"/>
               <a:t>Derde niveau</a:t>
             </a:r>
           </a:p>
           <a:p>
             <a:pPr lvl="3"/>
             <a:r>
-              <a:rPr lang="nl-NL" smtClean="0"/>
+              <a:rPr lang="nl-NL"/>
               <a:t>Vierde niveau</a:t>
             </a:r>
           </a:p>
           <a:p>
             <a:pPr lvl="4"/>
             <a:r>
-              <a:rPr lang="nl-NL" smtClean="0"/>
+              <a:rPr lang="nl-NL"/>
               <a:t>Vijfde niveau</a:t>
             </a:r>
             <a:endParaRPr lang="en-US" dirty="0"/>
@@ -4202,7 +4207,7 @@
             <a:fld id="{B61BEF0D-F0BB-DE4B-95CE-6DB70DBA9567}" type="datetimeFigureOut">
               <a:rPr lang="en-US" smtClean="0"/>
               <a:pPr/>
-              <a:t>9/22/2019</a:t>
+              <a:t>23-Sep-19</a:t>
             </a:fld>
             <a:endParaRPr lang="en-US" dirty="0"/>
           </a:p>
@@ -4297,7 +4302,7 @@
           <a:lstStyle/>
           <a:p>
             <a:r>
-              <a:rPr lang="nl-NL" smtClean="0"/>
+              <a:rPr lang="nl-NL"/>
               <a:t>Klik om de stijl te bewerken</a:t>
             </a:r>
             <a:endParaRPr lang="en-US" dirty="0"/>
@@ -4322,7 +4327,7 @@
             <a:fld id="{B61BEF0D-F0BB-DE4B-95CE-6DB70DBA9567}" type="datetimeFigureOut">
               <a:rPr lang="en-US" smtClean="0"/>
               <a:pPr/>
-              <a:t>9/22/2019</a:t>
+              <a:t>23-Sep-19</a:t>
             </a:fld>
             <a:endParaRPr lang="en-US" dirty="0"/>
           </a:p>
@@ -4419,7 +4424,7 @@
             <a:fld id="{B61BEF0D-F0BB-DE4B-95CE-6DB70DBA9567}" type="datetimeFigureOut">
               <a:rPr lang="en-US" smtClean="0"/>
               <a:pPr/>
-              <a:t>9/22/2019</a:t>
+              <a:t>23-Sep-19</a:t>
             </a:fld>
             <a:endParaRPr lang="en-US" dirty="0"/>
           </a:p>
@@ -4525,7 +4530,7 @@
           </a:lstStyle>
           <a:p>
             <a:r>
-              <a:rPr lang="nl-NL" smtClean="0"/>
+              <a:rPr lang="nl-NL"/>
               <a:t>Klik om de stijl te bewerken</a:t>
             </a:r>
             <a:endParaRPr lang="en-US" dirty="0"/>
@@ -4554,35 +4559,35 @@
           <a:p>
             <a:pPr lvl="0"/>
             <a:r>
-              <a:rPr lang="nl-NL" smtClean="0"/>
+              <a:rPr lang="nl-NL"/>
               <a:t>Klik om de modelstijlen te bewerken</a:t>
             </a:r>
           </a:p>
           <a:p>
             <a:pPr lvl="1"/>
             <a:r>
-              <a:rPr lang="nl-NL" smtClean="0"/>
+              <a:rPr lang="nl-NL"/>
               <a:t>Tweede niveau</a:t>
             </a:r>
           </a:p>
           <a:p>
             <a:pPr lvl="2"/>
             <a:r>
-              <a:rPr lang="nl-NL" smtClean="0"/>
+              <a:rPr lang="nl-NL"/>
               <a:t>Derde niveau</a:t>
             </a:r>
           </a:p>
           <a:p>
             <a:pPr lvl="3"/>
             <a:r>
-              <a:rPr lang="nl-NL" smtClean="0"/>
+              <a:rPr lang="nl-NL"/>
               <a:t>Vierde niveau</a:t>
             </a:r>
           </a:p>
           <a:p>
             <a:pPr lvl="4"/>
             <a:r>
-              <a:rPr lang="nl-NL" smtClean="0"/>
+              <a:rPr lang="nl-NL"/>
               <a:t>Vijfde niveau</a:t>
             </a:r>
             <a:endParaRPr lang="en-US" dirty="0"/>
@@ -4648,7 +4653,7 @@
           <a:p>
             <a:pPr lvl="0"/>
             <a:r>
-              <a:rPr lang="nl-NL" smtClean="0"/>
+              <a:rPr lang="nl-NL"/>
               <a:t>Klik om de modelstijlen te bewerken</a:t>
             </a:r>
           </a:p>
@@ -4672,7 +4677,7 @@
             <a:fld id="{B61BEF0D-F0BB-DE4B-95CE-6DB70DBA9567}" type="datetimeFigureOut">
               <a:rPr lang="en-US" smtClean="0"/>
               <a:pPr/>
-              <a:t>9/22/2019</a:t>
+              <a:t>23-Sep-19</a:t>
             </a:fld>
             <a:endParaRPr lang="en-US" dirty="0"/>
           </a:p>
@@ -4778,7 +4783,7 @@
           </a:lstStyle>
           <a:p>
             <a:r>
-              <a:rPr lang="nl-NL" smtClean="0"/>
+              <a:rPr lang="nl-NL"/>
               <a:t>Klik om de stijl te bewerken</a:t>
             </a:r>
             <a:endParaRPr lang="en-US" dirty="0"/>
@@ -4869,7 +4874,7 @@
           </a:lstStyle>
           <a:p>
             <a:r>
-              <a:rPr lang="nl-NL" smtClean="0"/>
+              <a:rPr lang="nl-NL"/>
               <a:t>Klik op het pictogram als u een afbeelding wilt toevoegen</a:t>
             </a:r>
             <a:endParaRPr lang="en-US" dirty="0"/>
@@ -4937,7 +4942,7 @@
           <a:p>
             <a:pPr lvl="0"/>
             <a:r>
-              <a:rPr lang="nl-NL" smtClean="0"/>
+              <a:rPr lang="nl-NL"/>
               <a:t>Klik om de modelstijlen te bewerken</a:t>
             </a:r>
           </a:p>
@@ -4961,7 +4966,7 @@
             <a:fld id="{B61BEF0D-F0BB-DE4B-95CE-6DB70DBA9567}" type="datetimeFigureOut">
               <a:rPr lang="en-US" smtClean="0"/>
               <a:pPr/>
-              <a:t>9/22/2019</a:t>
+              <a:t>23-Sep-19</a:t>
             </a:fld>
             <a:endParaRPr lang="en-US" dirty="0"/>
           </a:p>
@@ -5071,7 +5076,7 @@
           <a:lstStyle/>
           <a:p>
             <a:r>
-              <a:rPr lang="nl-NL" smtClean="0"/>
+              <a:rPr lang="nl-NL"/>
               <a:t>Klik om de stijl te bewerken</a:t>
             </a:r>
             <a:endParaRPr lang="en-US" dirty="0"/>
@@ -5105,35 +5110,35 @@
           <a:p>
             <a:pPr lvl="0"/>
             <a:r>
-              <a:rPr lang="nl-NL" smtClean="0"/>
+              <a:rPr lang="nl-NL"/>
               <a:t>Klik om de modelstijlen te bewerken</a:t>
             </a:r>
           </a:p>
           <a:p>
             <a:pPr lvl="1"/>
             <a:r>
-              <a:rPr lang="nl-NL" smtClean="0"/>
+              <a:rPr lang="nl-NL"/>
               <a:t>Tweede niveau</a:t>
             </a:r>
           </a:p>
           <a:p>
             <a:pPr lvl="2"/>
             <a:r>
-              <a:rPr lang="nl-NL" smtClean="0"/>
+              <a:rPr lang="nl-NL"/>
               <a:t>Derde niveau</a:t>
             </a:r>
           </a:p>
           <a:p>
             <a:pPr lvl="3"/>
             <a:r>
-              <a:rPr lang="nl-NL" smtClean="0"/>
+              <a:rPr lang="nl-NL"/>
               <a:t>Vierde niveau</a:t>
             </a:r>
           </a:p>
           <a:p>
             <a:pPr lvl="4"/>
             <a:r>
-              <a:rPr lang="nl-NL" smtClean="0"/>
+              <a:rPr lang="nl-NL"/>
               <a:t>Vijfde niveau</a:t>
             </a:r>
             <a:endParaRPr lang="en-US" dirty="0"/>
@@ -5176,7 +5181,7 @@
             <a:fld id="{B61BEF0D-F0BB-DE4B-95CE-6DB70DBA9567}" type="datetimeFigureOut">
               <a:rPr lang="en-US" smtClean="0"/>
               <a:pPr/>
-              <a:t>9/22/2019</a:t>
+              <a:t>23-Sep-19</a:t>
             </a:fld>
             <a:endParaRPr lang="en-US" dirty="0"/>
           </a:p>
@@ -5674,22 +5679,22 @@
           <a:lstStyle/>
           <a:p>
             <a:r>
-              <a:rPr lang="nl-BE" dirty="0" smtClean="0"/>
+              <a:rPr lang="nl-BE" dirty="0"/>
               <a:t>Projectvoorstel: </a:t>
             </a:r>
             <a:br>
-              <a:rPr lang="nl-BE" dirty="0" smtClean="0"/>
+              <a:rPr lang="nl-BE" dirty="0"/>
             </a:br>
             <a:r>
-              <a:rPr lang="nl-BE" dirty="0" err="1" smtClean="0"/>
+              <a:rPr lang="nl-BE" dirty="0" err="1"/>
               <a:t>Industry</a:t>
             </a:r>
             <a:r>
-              <a:rPr lang="nl-BE" dirty="0" smtClean="0"/>
+              <a:rPr lang="nl-BE" dirty="0"/>
               <a:t> 4.0 met </a:t>
             </a:r>
             <a:r>
-              <a:rPr lang="nl-BE" dirty="0" err="1" smtClean="0"/>
+              <a:rPr lang="nl-BE" dirty="0" err="1"/>
               <a:t>enocean</a:t>
             </a:r>
             <a:endParaRPr lang="nl-BE" dirty="0"/>
@@ -5725,13 +5730,6 @@
   <p:clrMapOvr>
     <a:masterClrMapping/>
   </p:clrMapOvr>
-  <p:timing>
-    <p:tnLst>
-      <p:par>
-        <p:cTn id="1" dur="indefinite" restart="never" nodeType="tmRoot"/>
-      </p:par>
-    </p:tnLst>
-  </p:timing>
 </p:sld>
 </file>
 
@@ -5768,10 +5766,9 @@
           <a:lstStyle/>
           <a:p>
             <a:r>
-              <a:rPr lang="nl-BE" dirty="0" smtClean="0"/>
+              <a:rPr lang="nl-BE" dirty="0"/>
               <a:t>2 voorstellen</a:t>
             </a:r>
-            <a:endParaRPr lang="nl-BE" dirty="0"/>
           </a:p>
         </p:txBody>
       </p:sp>
@@ -5795,7 +5792,7 @@
               <a:buChar char="Ø"/>
             </a:pPr>
             <a:r>
-              <a:rPr lang="nl-BE" dirty="0" smtClean="0"/>
+              <a:rPr lang="nl-BE" dirty="0"/>
               <a:t> Serresturing met klimaatcontrole</a:t>
             </a:r>
           </a:p>
@@ -5813,11 +5810,7 @@
             </a:pPr>
             <a:r>
               <a:rPr lang="nl-BE" dirty="0"/>
-              <a:t> </a:t>
-            </a:r>
-            <a:r>
-              <a:rPr lang="nl-BE" dirty="0" smtClean="0"/>
-              <a:t>“Smart hotel” met personendetectie en brandveiligheid</a:t>
+              <a:t> “Smart hotel” met personendetectie en brandveiligheid</a:t>
             </a:r>
           </a:p>
           <a:p>
@@ -5832,14 +5825,14 @@
               <a:buNone/>
             </a:pPr>
             <a:r>
-              <a:rPr lang="nl-BE" dirty="0" smtClean="0"/>
+              <a:rPr lang="nl-BE" dirty="0"/>
               <a:t>Beide systemen hebben een database met </a:t>
             </a:r>
             <a:r>
-              <a:rPr lang="nl-BE" dirty="0" err="1" smtClean="0"/>
+              <a:rPr lang="nl-BE" dirty="0" err="1"/>
               <a:t>webinterface</a:t>
             </a:r>
-            <a:endParaRPr lang="nl-BE" dirty="0" smtClean="0"/>
+            <a:endParaRPr lang="nl-BE" dirty="0"/>
           </a:p>
           <a:p>
             <a:pPr>
@@ -5867,13 +5860,6 @@
   <p:clrMapOvr>
     <a:masterClrMapping/>
   </p:clrMapOvr>
-  <p:timing>
-    <p:tnLst>
-      <p:par>
-        <p:cTn id="1" dur="indefinite" restart="never" nodeType="tmRoot"/>
-      </p:par>
-    </p:tnLst>
-  </p:timing>
 </p:sld>
 </file>
 
@@ -5910,10 +5896,9 @@
           <a:lstStyle/>
           <a:p>
             <a:r>
-              <a:rPr lang="nl-BE" dirty="0" smtClean="0"/>
+              <a:rPr lang="nl-BE" dirty="0"/>
               <a:t>Serresturing</a:t>
             </a:r>
-            <a:endParaRPr lang="nl-BE" dirty="0"/>
           </a:p>
         </p:txBody>
       </p:sp>
@@ -5955,8 +5940,8 @@
         </p:nvSpPr>
         <p:spPr>
           <a:xfrm>
-            <a:off x="1873230" y="5408249"/>
-            <a:ext cx="3501215" cy="369332"/>
+            <a:off x="4340067" y="5384750"/>
+            <a:ext cx="2738122" cy="276999"/>
           </a:xfrm>
           <a:prstGeom prst="rect">
             <a:avLst/>
@@ -5969,11 +5954,11 @@
           </a:bodyPr>
           <a:lstStyle/>
           <a:p>
-            <a:r>
-              <a:rPr lang="nl-BE" dirty="0" smtClean="0"/>
+            <a:pPr algn="ctr"/>
+            <a:r>
+              <a:rPr lang="nl-BE" sz="1200" dirty="0"/>
               <a:t>Afbeelding 1: flowchart serresturing</a:t>
             </a:r>
-            <a:endParaRPr lang="nl-BE" dirty="0"/>
           </a:p>
         </p:txBody>
       </p:sp>
@@ -5987,13 +5972,6 @@
   <p:clrMapOvr>
     <a:masterClrMapping/>
   </p:clrMapOvr>
-  <p:timing>
-    <p:tnLst>
-      <p:par>
-        <p:cTn id="1" dur="indefinite" restart="never" nodeType="tmRoot"/>
-      </p:par>
-    </p:tnLst>
-  </p:timing>
 </p:sld>
 </file>
 
@@ -6030,34 +6008,33 @@
           <a:lstStyle/>
           <a:p>
             <a:r>
-              <a:rPr lang="nl-BE" dirty="0" smtClean="0"/>
+              <a:rPr lang="nl-BE" dirty="0"/>
               <a:t>Toepassing “</a:t>
             </a:r>
             <a:r>
-              <a:rPr lang="nl-BE" dirty="0" err="1" smtClean="0"/>
+              <a:rPr lang="nl-BE" dirty="0" err="1"/>
               <a:t>six</a:t>
             </a:r>
             <a:r>
-              <a:rPr lang="nl-BE" dirty="0" smtClean="0"/>
+              <a:rPr lang="nl-BE" dirty="0"/>
               <a:t> </a:t>
             </a:r>
             <a:r>
-              <a:rPr lang="nl-BE" dirty="0" err="1" smtClean="0"/>
+              <a:rPr lang="nl-BE" dirty="0" err="1"/>
               <a:t>pillars</a:t>
             </a:r>
             <a:r>
-              <a:rPr lang="nl-BE" dirty="0" smtClean="0"/>
+              <a:rPr lang="nl-BE" dirty="0"/>
               <a:t> </a:t>
             </a:r>
             <a:r>
-              <a:rPr lang="nl-BE" dirty="0" err="1" smtClean="0"/>
+              <a:rPr lang="nl-BE" dirty="0" err="1"/>
               <a:t>industry</a:t>
             </a:r>
             <a:r>
-              <a:rPr lang="nl-BE" dirty="0" smtClean="0"/>
+              <a:rPr lang="nl-BE" dirty="0"/>
               <a:t> 4.0”</a:t>
             </a:r>
-            <a:endParaRPr lang="nl-BE" dirty="0"/>
           </a:p>
         </p:txBody>
       </p:sp>
@@ -6083,19 +6060,19 @@
               <a:buAutoNum type="arabicPeriod"/>
             </a:pPr>
             <a:r>
-              <a:rPr lang="nl-BE" dirty="0" err="1" smtClean="0"/>
+              <a:rPr lang="nl-BE" dirty="0" err="1"/>
               <a:t>Interoperability</a:t>
             </a:r>
             <a:r>
-              <a:rPr lang="nl-BE" dirty="0" smtClean="0"/>
+              <a:rPr lang="nl-BE" dirty="0"/>
               <a:t>: 		</a:t>
             </a:r>
             <a:r>
-              <a:rPr lang="nl-BE" dirty="0" err="1" smtClean="0"/>
+              <a:rPr lang="nl-BE" dirty="0" err="1"/>
               <a:t>EnOcean</a:t>
             </a:r>
             <a:r>
-              <a:rPr lang="nl-BE" dirty="0" smtClean="0"/>
+              <a:rPr lang="nl-BE" dirty="0"/>
               <a:t> sensoren</a:t>
             </a:r>
           </a:p>
@@ -6105,18 +6082,18 @@
               <a:buAutoNum type="arabicPeriod"/>
             </a:pPr>
             <a:r>
-              <a:rPr lang="nl-BE" dirty="0" err="1" smtClean="0"/>
+              <a:rPr lang="nl-BE" dirty="0" err="1"/>
               <a:t>Modularity</a:t>
             </a:r>
             <a:r>
-              <a:rPr lang="nl-BE" dirty="0" smtClean="0"/>
+              <a:rPr lang="nl-BE" dirty="0"/>
               <a:t>:			Extra sensoren verbinden m.b.v. </a:t>
             </a:r>
             <a:r>
-              <a:rPr lang="nl-BE" dirty="0" err="1" smtClean="0"/>
+              <a:rPr lang="nl-BE" dirty="0" err="1"/>
               <a:t>SigFox</a:t>
             </a:r>
-            <a:endParaRPr lang="nl-BE" dirty="0" smtClean="0"/>
+            <a:endParaRPr lang="nl-BE" dirty="0"/>
           </a:p>
           <a:p>
             <a:pPr marL="457200" indent="-457200">
@@ -6124,13 +6101,18 @@
               <a:buAutoNum type="arabicPeriod"/>
             </a:pPr>
             <a:r>
-              <a:rPr lang="nl-BE" dirty="0" err="1" smtClean="0"/>
+              <a:rPr lang="nl-BE" dirty="0" err="1"/>
               <a:t>Virtualisation</a:t>
             </a:r>
             <a:r>
-              <a:rPr lang="nl-BE" dirty="0" smtClean="0"/>
-              <a:t>:		database?</a:t>
-            </a:r>
+              <a:rPr lang="nl-BE" dirty="0"/>
+              <a:t>:		</a:t>
+            </a:r>
+            <a:r>
+              <a:rPr lang="nl-BE"/>
+              <a:t>NodeJs</a:t>
+            </a:r>
+            <a:endParaRPr lang="nl-BE" dirty="0"/>
           </a:p>
           <a:p>
             <a:pPr marL="457200" indent="-457200">
@@ -6138,15 +6120,15 @@
               <a:buAutoNum type="arabicPeriod"/>
             </a:pPr>
             <a:r>
-              <a:rPr lang="nl-BE" dirty="0" smtClean="0"/>
+              <a:rPr lang="nl-BE" dirty="0"/>
               <a:t>Real-time </a:t>
             </a:r>
             <a:r>
-              <a:rPr lang="nl-BE" dirty="0" err="1" smtClean="0"/>
+              <a:rPr lang="nl-BE" dirty="0" err="1"/>
               <a:t>capability</a:t>
             </a:r>
             <a:r>
-              <a:rPr lang="nl-BE" dirty="0" smtClean="0"/>
+              <a:rPr lang="nl-BE" dirty="0"/>
               <a:t>:	Data sensoren &lt;-&gt; klimaatsturing</a:t>
             </a:r>
           </a:p>
@@ -6156,11 +6138,11 @@
               <a:buAutoNum type="arabicPeriod"/>
             </a:pPr>
             <a:r>
-              <a:rPr lang="nl-BE" dirty="0" err="1" smtClean="0"/>
+              <a:rPr lang="nl-BE" dirty="0" err="1"/>
               <a:t>Decentralisation</a:t>
             </a:r>
             <a:r>
-              <a:rPr lang="nl-BE" dirty="0" smtClean="0"/>
+              <a:rPr lang="nl-BE" dirty="0"/>
               <a:t>:		PLC + sensoren individueel klimaatcontrole</a:t>
             </a:r>
           </a:p>
@@ -6170,19 +6152,19 @@
               <a:buAutoNum type="arabicPeriod"/>
             </a:pPr>
             <a:r>
-              <a:rPr lang="nl-BE" dirty="0" smtClean="0"/>
+              <a:rPr lang="nl-BE" dirty="0"/>
               <a:t>Service </a:t>
             </a:r>
             <a:r>
-              <a:rPr lang="nl-BE" dirty="0" err="1" smtClean="0"/>
+              <a:rPr lang="nl-BE" dirty="0" err="1"/>
               <a:t>orientation</a:t>
             </a:r>
             <a:r>
-              <a:rPr lang="nl-BE" dirty="0" smtClean="0"/>
+              <a:rPr lang="nl-BE" dirty="0"/>
               <a:t>:	database + </a:t>
             </a:r>
             <a:r>
-              <a:rPr lang="nl-BE" dirty="0" err="1" smtClean="0"/>
+              <a:rPr lang="nl-BE" dirty="0" err="1"/>
               <a:t>webinterface</a:t>
             </a:r>
             <a:endParaRPr lang="nl-BE" dirty="0"/>
@@ -6886,10 +6868,9 @@
           <a:lstStyle/>
           <a:p>
             <a:r>
-              <a:rPr lang="nl-BE" dirty="0" smtClean="0"/>
+              <a:rPr lang="nl-BE" dirty="0"/>
               <a:t>“Smart hotel”</a:t>
             </a:r>
-            <a:endParaRPr lang="nl-BE" dirty="0"/>
           </a:p>
         </p:txBody>
       </p:sp>
@@ -6930,8 +6911,8 @@
         </p:nvSpPr>
         <p:spPr>
           <a:xfrm>
-            <a:off x="1873230" y="5638800"/>
-            <a:ext cx="3662926" cy="369332"/>
+            <a:off x="4259212" y="5615301"/>
+            <a:ext cx="2820196" cy="276999"/>
           </a:xfrm>
           <a:prstGeom prst="rect">
             <a:avLst/>
@@ -6944,11 +6925,11 @@
           </a:bodyPr>
           <a:lstStyle/>
           <a:p>
-            <a:r>
-              <a:rPr lang="nl-BE" dirty="0" smtClean="0"/>
+            <a:pPr algn="ctr"/>
+            <a:r>
+              <a:rPr lang="nl-BE" sz="1200" dirty="0"/>
               <a:t>Afbeelding 2: flowchart “Smart hotel”</a:t>
             </a:r>
-            <a:endParaRPr lang="nl-BE" dirty="0"/>
           </a:p>
         </p:txBody>
       </p:sp>
@@ -6962,13 +6943,6 @@
   <p:clrMapOvr>
     <a:masterClrMapping/>
   </p:clrMapOvr>
-  <p:timing>
-    <p:tnLst>
-      <p:par>
-        <p:cTn id="1" dur="indefinite" restart="never" nodeType="tmRoot"/>
-      </p:par>
-    </p:tnLst>
-  </p:timing>
 </p:sld>
 </file>
 
@@ -7005,34 +6979,33 @@
           <a:lstStyle/>
           <a:p>
             <a:r>
-              <a:rPr lang="nl-BE" dirty="0" smtClean="0"/>
+              <a:rPr lang="nl-BE" dirty="0"/>
               <a:t>Toepassing “</a:t>
             </a:r>
             <a:r>
-              <a:rPr lang="nl-BE" dirty="0" err="1" smtClean="0"/>
+              <a:rPr lang="nl-BE" dirty="0" err="1"/>
               <a:t>six</a:t>
             </a:r>
             <a:r>
-              <a:rPr lang="nl-BE" dirty="0" smtClean="0"/>
+              <a:rPr lang="nl-BE" dirty="0"/>
               <a:t> </a:t>
             </a:r>
             <a:r>
-              <a:rPr lang="nl-BE" dirty="0" err="1" smtClean="0"/>
+              <a:rPr lang="nl-BE" dirty="0" err="1"/>
               <a:t>pillars</a:t>
             </a:r>
             <a:r>
-              <a:rPr lang="nl-BE" dirty="0" smtClean="0"/>
+              <a:rPr lang="nl-BE" dirty="0"/>
               <a:t> </a:t>
             </a:r>
             <a:r>
-              <a:rPr lang="nl-BE" dirty="0" err="1" smtClean="0"/>
+              <a:rPr lang="nl-BE" dirty="0" err="1"/>
               <a:t>industry</a:t>
             </a:r>
             <a:r>
-              <a:rPr lang="nl-BE" dirty="0" smtClean="0"/>
+              <a:rPr lang="nl-BE" dirty="0"/>
               <a:t> 4.0”</a:t>
             </a:r>
-            <a:endParaRPr lang="nl-BE" dirty="0"/>
           </a:p>
         </p:txBody>
       </p:sp>
@@ -7058,11 +7031,11 @@
               <a:buAutoNum type="arabicPeriod"/>
             </a:pPr>
             <a:r>
-              <a:rPr lang="nl-BE" dirty="0" err="1" smtClean="0"/>
+              <a:rPr lang="nl-BE" dirty="0" err="1"/>
               <a:t>Interoperability</a:t>
             </a:r>
             <a:r>
-              <a:rPr lang="nl-BE" dirty="0" smtClean="0"/>
+              <a:rPr lang="nl-BE" dirty="0"/>
               <a:t>: 		</a:t>
             </a:r>
           </a:p>
@@ -7072,11 +7045,11 @@
               <a:buAutoNum type="arabicPeriod"/>
             </a:pPr>
             <a:r>
-              <a:rPr lang="nl-BE" dirty="0" err="1" smtClean="0"/>
+              <a:rPr lang="nl-BE" dirty="0" err="1"/>
               <a:t>Modularity</a:t>
             </a:r>
             <a:r>
-              <a:rPr lang="nl-BE" dirty="0" smtClean="0"/>
+              <a:rPr lang="nl-BE" dirty="0"/>
               <a:t>:		</a:t>
             </a:r>
           </a:p>
@@ -7086,11 +7059,11 @@
               <a:buAutoNum type="arabicPeriod"/>
             </a:pPr>
             <a:r>
-              <a:rPr lang="nl-BE" dirty="0" err="1" smtClean="0"/>
+              <a:rPr lang="nl-BE" dirty="0" err="1"/>
               <a:t>Virtualisation</a:t>
             </a:r>
             <a:r>
-              <a:rPr lang="nl-BE" dirty="0" smtClean="0"/>
+              <a:rPr lang="nl-BE" dirty="0"/>
               <a:t>:		</a:t>
             </a:r>
           </a:p>
@@ -7100,15 +7073,15 @@
               <a:buAutoNum type="arabicPeriod"/>
             </a:pPr>
             <a:r>
-              <a:rPr lang="nl-BE" dirty="0" smtClean="0"/>
+              <a:rPr lang="nl-BE" dirty="0"/>
               <a:t>Real-time </a:t>
             </a:r>
             <a:r>
-              <a:rPr lang="nl-BE" dirty="0" err="1" smtClean="0"/>
+              <a:rPr lang="nl-BE" dirty="0" err="1"/>
               <a:t>capability</a:t>
             </a:r>
             <a:r>
-              <a:rPr lang="nl-BE" dirty="0" smtClean="0"/>
+              <a:rPr lang="nl-BE" dirty="0"/>
               <a:t>:	</a:t>
             </a:r>
           </a:p>
@@ -7118,11 +7091,11 @@
               <a:buAutoNum type="arabicPeriod"/>
             </a:pPr>
             <a:r>
-              <a:rPr lang="nl-BE" dirty="0" err="1" smtClean="0"/>
+              <a:rPr lang="nl-BE" dirty="0" err="1"/>
               <a:t>Decentralisation</a:t>
             </a:r>
             <a:r>
-              <a:rPr lang="nl-BE" dirty="0" smtClean="0"/>
+              <a:rPr lang="nl-BE" dirty="0"/>
               <a:t>:		</a:t>
             </a:r>
           </a:p>
@@ -7132,18 +7105,17 @@
               <a:buAutoNum type="arabicPeriod"/>
             </a:pPr>
             <a:r>
-              <a:rPr lang="nl-BE" dirty="0" smtClean="0"/>
+              <a:rPr lang="nl-BE" dirty="0"/>
               <a:t>Service </a:t>
             </a:r>
             <a:r>
-              <a:rPr lang="nl-BE" dirty="0" err="1" smtClean="0"/>
+              <a:rPr lang="nl-BE" dirty="0" err="1"/>
               <a:t>orientation</a:t>
             </a:r>
             <a:r>
-              <a:rPr lang="nl-BE" dirty="0" smtClean="0"/>
+              <a:rPr lang="nl-BE" dirty="0"/>
               <a:t>:	</a:t>
             </a:r>
-            <a:endParaRPr lang="nl-BE" dirty="0"/>
           </a:p>
         </p:txBody>
       </p:sp>

--- a/Presentaties/1Projectvoorstel/Projectvoorstel.pptx
+++ b/Presentaties/1Projectvoorstel/Projectvoorstel.pptx
@@ -6109,7 +6109,7 @@
               <a:t>:		</a:t>
             </a:r>
             <a:r>
-              <a:rPr lang="nl-BE"/>
+              <a:rPr lang="nl-BE" dirty="0" err="1"/>
               <a:t>NodeJs</a:t>
             </a:r>
             <a:endParaRPr lang="nl-BE" dirty="0"/>
@@ -7036,7 +7036,15 @@
             </a:r>
             <a:r>
               <a:rPr lang="nl-BE" dirty="0"/>
-              <a:t>: 		</a:t>
+              <a:t>: 		 </a:t>
+            </a:r>
+            <a:r>
+              <a:rPr lang="nl-BE" dirty="0" err="1"/>
+              <a:t>EnOcean</a:t>
+            </a:r>
+            <a:r>
+              <a:rPr lang="nl-BE" dirty="0"/>
+              <a:t> sensoren/Card readers</a:t>
             </a:r>
           </a:p>
           <a:p>
@@ -7050,8 +7058,13 @@
             </a:r>
             <a:r>
               <a:rPr lang="nl-BE" dirty="0"/>
-              <a:t>:		</a:t>
-            </a:r>
+              <a:t>:			 Kamers/hotels verbinden m.b.v. </a:t>
+            </a:r>
+            <a:r>
+              <a:rPr lang="nl-BE" dirty="0" err="1"/>
+              <a:t>SigFox</a:t>
+            </a:r>
+            <a:endParaRPr lang="nl-BE" dirty="0"/>
           </a:p>
           <a:p>
             <a:pPr marL="457200" indent="-457200">
@@ -7064,8 +7077,13 @@
             </a:r>
             <a:r>
               <a:rPr lang="nl-BE" dirty="0"/>
-              <a:t>:		</a:t>
-            </a:r>
+              <a:t>:		 </a:t>
+            </a:r>
+            <a:r>
+              <a:rPr lang="nl-BE" dirty="0" err="1"/>
+              <a:t>NodeJs</a:t>
+            </a:r>
+            <a:endParaRPr lang="nl-BE" dirty="0"/>
           </a:p>
           <a:p>
             <a:pPr marL="457200" indent="-457200">
@@ -7082,7 +7100,7 @@
             </a:r>
             <a:r>
               <a:rPr lang="nl-BE" dirty="0"/>
-              <a:t>:	</a:t>
+              <a:t>:	 Data sensoren&lt;-&gt; klimaatsturing/beveiliging</a:t>
             </a:r>
           </a:p>
           <a:p>
@@ -7096,7 +7114,7 @@
             </a:r>
             <a:r>
               <a:rPr lang="nl-BE" dirty="0"/>
-              <a:t>:		</a:t>
+              <a:t>:		 PLC + sensoren individueel klimaatcontrole</a:t>
             </a:r>
           </a:p>
           <a:p>
@@ -7114,7 +7132,15 @@
             </a:r>
             <a:r>
               <a:rPr lang="nl-BE" dirty="0"/>
-              <a:t>:	</a:t>
+              <a:t>:	 database + </a:t>
+            </a:r>
+            <a:r>
+              <a:rPr lang="nl-BE" dirty="0" err="1"/>
+              <a:t>webinterface</a:t>
+            </a:r>
+            <a:r>
+              <a:rPr lang="nl-BE" dirty="0"/>
+              <a:t> 	</a:t>
             </a:r>
           </a:p>
         </p:txBody>

--- a/Presentaties/1Projectvoorstel/Projectvoorstel.pptx
+++ b/Presentaties/1Projectvoorstel/Projectvoorstel.pptx
@@ -251,7 +251,7 @@
             <a:fld id="{B61BEF0D-F0BB-DE4B-95CE-6DB70DBA9567}" type="datetimeFigureOut">
               <a:rPr lang="en-US" smtClean="0"/>
               <a:pPr/>
-              <a:t>23-Sep-19</a:t>
+              <a:t>9/23/2019</a:t>
             </a:fld>
             <a:endParaRPr lang="en-US" dirty="0"/>
           </a:p>
@@ -540,7 +540,7 @@
             <a:fld id="{B61BEF0D-F0BB-DE4B-95CE-6DB70DBA9567}" type="datetimeFigureOut">
               <a:rPr lang="en-US" smtClean="0"/>
               <a:pPr/>
-              <a:t>23-Sep-19</a:t>
+              <a:t>9/23/2019</a:t>
             </a:fld>
             <a:endParaRPr lang="en-US" dirty="0"/>
           </a:p>
@@ -734,7 +734,7 @@
             <a:fld id="{B61BEF0D-F0BB-DE4B-95CE-6DB70DBA9567}" type="datetimeFigureOut">
               <a:rPr lang="en-US" smtClean="0"/>
               <a:pPr/>
-              <a:t>23-Sep-19</a:t>
+              <a:t>9/23/2019</a:t>
             </a:fld>
             <a:endParaRPr lang="en-US" dirty="0"/>
           </a:p>
@@ -997,7 +997,7 @@
             <a:fld id="{B61BEF0D-F0BB-DE4B-95CE-6DB70DBA9567}" type="datetimeFigureOut">
               <a:rPr lang="en-US" smtClean="0"/>
               <a:pPr/>
-              <a:t>23-Sep-19</a:t>
+              <a:t>9/23/2019</a:t>
             </a:fld>
             <a:endParaRPr lang="en-US" dirty="0"/>
           </a:p>
@@ -1423,7 +1423,7 @@
             <a:fld id="{B61BEF0D-F0BB-DE4B-95CE-6DB70DBA9567}" type="datetimeFigureOut">
               <a:rPr lang="en-US" smtClean="0"/>
               <a:pPr/>
-              <a:t>23-Sep-19</a:t>
+              <a:t>9/23/2019</a:t>
             </a:fld>
             <a:endParaRPr lang="en-US" dirty="0"/>
           </a:p>
@@ -1971,7 +1971,7 @@
             <a:fld id="{B61BEF0D-F0BB-DE4B-95CE-6DB70DBA9567}" type="datetimeFigureOut">
               <a:rPr lang="en-US" smtClean="0"/>
               <a:pPr/>
-              <a:t>23-Sep-19</a:t>
+              <a:t>9/23/2019</a:t>
             </a:fld>
             <a:endParaRPr lang="en-US" dirty="0"/>
           </a:p>
@@ -2813,7 +2813,7 @@
             <a:fld id="{B61BEF0D-F0BB-DE4B-95CE-6DB70DBA9567}" type="datetimeFigureOut">
               <a:rPr lang="en-US" smtClean="0"/>
               <a:pPr/>
-              <a:t>23-Sep-19</a:t>
+              <a:t>9/23/2019</a:t>
             </a:fld>
             <a:endParaRPr lang="en-US" dirty="0"/>
           </a:p>
@@ -2985,7 +2985,7 @@
             <a:fld id="{B61BEF0D-F0BB-DE4B-95CE-6DB70DBA9567}" type="datetimeFigureOut">
               <a:rPr lang="en-US" smtClean="0"/>
               <a:pPr/>
-              <a:t>23-Sep-19</a:t>
+              <a:t>9/23/2019</a:t>
             </a:fld>
             <a:endParaRPr lang="en-US" dirty="0"/>
           </a:p>
@@ -3171,7 +3171,7 @@
             <a:fld id="{B61BEF0D-F0BB-DE4B-95CE-6DB70DBA9567}" type="datetimeFigureOut">
               <a:rPr lang="en-US" smtClean="0"/>
               <a:pPr/>
-              <a:t>23-Sep-19</a:t>
+              <a:t>9/23/2019</a:t>
             </a:fld>
             <a:endParaRPr lang="en-US" dirty="0"/>
           </a:p>
@@ -3343,7 +3343,7 @@
             <a:fld id="{B61BEF0D-F0BB-DE4B-95CE-6DB70DBA9567}" type="datetimeFigureOut">
               <a:rPr lang="en-US" smtClean="0"/>
               <a:pPr/>
-              <a:t>23-Sep-19</a:t>
+              <a:t>9/23/2019</a:t>
             </a:fld>
             <a:endParaRPr lang="en-US" dirty="0"/>
           </a:p>
@@ -3593,7 +3593,7 @@
             <a:fld id="{B61BEF0D-F0BB-DE4B-95CE-6DB70DBA9567}" type="datetimeFigureOut">
               <a:rPr lang="en-US" smtClean="0"/>
               <a:pPr/>
-              <a:t>23-Sep-19</a:t>
+              <a:t>9/23/2019</a:t>
             </a:fld>
             <a:endParaRPr lang="en-US" dirty="0"/>
           </a:p>
@@ -3832,7 +3832,7 @@
             <a:fld id="{B61BEF0D-F0BB-DE4B-95CE-6DB70DBA9567}" type="datetimeFigureOut">
               <a:rPr lang="en-US" smtClean="0"/>
               <a:pPr/>
-              <a:t>23-Sep-19</a:t>
+              <a:t>9/23/2019</a:t>
             </a:fld>
             <a:endParaRPr lang="en-US" dirty="0"/>
           </a:p>
@@ -4207,7 +4207,7 @@
             <a:fld id="{B61BEF0D-F0BB-DE4B-95CE-6DB70DBA9567}" type="datetimeFigureOut">
               <a:rPr lang="en-US" smtClean="0"/>
               <a:pPr/>
-              <a:t>23-Sep-19</a:t>
+              <a:t>9/23/2019</a:t>
             </a:fld>
             <a:endParaRPr lang="en-US" dirty="0"/>
           </a:p>
@@ -4327,7 +4327,7 @@
             <a:fld id="{B61BEF0D-F0BB-DE4B-95CE-6DB70DBA9567}" type="datetimeFigureOut">
               <a:rPr lang="en-US" smtClean="0"/>
               <a:pPr/>
-              <a:t>23-Sep-19</a:t>
+              <a:t>9/23/2019</a:t>
             </a:fld>
             <a:endParaRPr lang="en-US" dirty="0"/>
           </a:p>
@@ -4424,7 +4424,7 @@
             <a:fld id="{B61BEF0D-F0BB-DE4B-95CE-6DB70DBA9567}" type="datetimeFigureOut">
               <a:rPr lang="en-US" smtClean="0"/>
               <a:pPr/>
-              <a:t>23-Sep-19</a:t>
+              <a:t>9/23/2019</a:t>
             </a:fld>
             <a:endParaRPr lang="en-US" dirty="0"/>
           </a:p>
@@ -4677,7 +4677,7 @@
             <a:fld id="{B61BEF0D-F0BB-DE4B-95CE-6DB70DBA9567}" type="datetimeFigureOut">
               <a:rPr lang="en-US" smtClean="0"/>
               <a:pPr/>
-              <a:t>23-Sep-19</a:t>
+              <a:t>9/23/2019</a:t>
             </a:fld>
             <a:endParaRPr lang="en-US" dirty="0"/>
           </a:p>
@@ -4966,7 +4966,7 @@
             <a:fld id="{B61BEF0D-F0BB-DE4B-95CE-6DB70DBA9567}" type="datetimeFigureOut">
               <a:rPr lang="en-US" smtClean="0"/>
               <a:pPr/>
-              <a:t>23-Sep-19</a:t>
+              <a:t>9/23/2019</a:t>
             </a:fld>
             <a:endParaRPr lang="en-US" dirty="0"/>
           </a:p>
@@ -5181,7 +5181,7 @@
             <a:fld id="{B61BEF0D-F0BB-DE4B-95CE-6DB70DBA9567}" type="datetimeFigureOut">
               <a:rPr lang="en-US" smtClean="0"/>
               <a:pPr/>
-              <a:t>23-Sep-19</a:t>
+              <a:t>9/23/2019</a:t>
             </a:fld>
             <a:endParaRPr lang="en-US" dirty="0"/>
           </a:p>
@@ -5810,8 +5810,13 @@
             </a:pPr>
             <a:r>
               <a:rPr lang="nl-BE" dirty="0"/>
-              <a:t> “Smart hotel” met personendetectie en brandveiligheid</a:t>
-            </a:r>
+              <a:t> </a:t>
+            </a:r>
+            <a:r>
+              <a:rPr lang="nl-BE" dirty="0" err="1" smtClean="0"/>
+              <a:t>Bioscoopcomlex</a:t>
+            </a:r>
+            <a:endParaRPr lang="nl-BE" dirty="0"/>
           </a:p>
           <a:p>
             <a:pPr>
@@ -5902,9 +5907,39 @@
           </a:p>
         </p:txBody>
       </p:sp>
+      <p:sp>
+        <p:nvSpPr>
+          <p:cNvPr id="5" name="Tekstvak 4"/>
+          <p:cNvSpPr txBox="1"/>
+          <p:nvPr/>
+        </p:nvSpPr>
+        <p:spPr>
+          <a:xfrm>
+            <a:off x="2799787" y="6050547"/>
+            <a:ext cx="2738122" cy="276999"/>
+          </a:xfrm>
+          <a:prstGeom prst="rect">
+            <a:avLst/>
+          </a:prstGeom>
+          <a:noFill/>
+        </p:spPr>
+        <p:txBody>
+          <a:bodyPr wrap="none" rtlCol="0">
+            <a:spAutoFit/>
+          </a:bodyPr>
+          <a:lstStyle/>
+          <a:p>
+            <a:pPr algn="ctr"/>
+            <a:r>
+              <a:rPr lang="nl-BE" sz="1200" dirty="0"/>
+              <a:t>Afbeelding 1: flowchart serresturing</a:t>
+            </a:r>
+          </a:p>
+        </p:txBody>
+      </p:sp>
       <p:pic>
         <p:nvPicPr>
-          <p:cNvPr id="4" name="Afbeelding 3"/>
+          <p:cNvPr id="6" name="Afbeelding 5"/>
           <p:cNvPicPr>
             <a:picLocks noChangeAspect="1"/>
           </p:cNvPicPr>
@@ -5924,44 +5959,14 @@
         </p:blipFill>
         <p:spPr>
           <a:xfrm>
-            <a:off x="1873230" y="2097088"/>
-            <a:ext cx="8442364" cy="3311161"/>
+            <a:off x="2799787" y="1564272"/>
+            <a:ext cx="6581775" cy="4486275"/>
           </a:xfrm>
           <a:prstGeom prst="rect">
             <a:avLst/>
           </a:prstGeom>
         </p:spPr>
       </p:pic>
-      <p:sp>
-        <p:nvSpPr>
-          <p:cNvPr id="5" name="Tekstvak 4"/>
-          <p:cNvSpPr txBox="1"/>
-          <p:nvPr/>
-        </p:nvSpPr>
-        <p:spPr>
-          <a:xfrm>
-            <a:off x="4340067" y="5384750"/>
-            <a:ext cx="2738122" cy="276999"/>
-          </a:xfrm>
-          <a:prstGeom prst="rect">
-            <a:avLst/>
-          </a:prstGeom>
-          <a:noFill/>
-        </p:spPr>
-        <p:txBody>
-          <a:bodyPr wrap="none" rtlCol="0">
-            <a:spAutoFit/>
-          </a:bodyPr>
-          <a:lstStyle/>
-          <a:p>
-            <a:pPr algn="ctr"/>
-            <a:r>
-              <a:rPr lang="nl-BE" sz="1200" dirty="0"/>
-              <a:t>Afbeelding 1: flowchart serresturing</a:t>
-            </a:r>
-          </a:p>
-        </p:txBody>
-      </p:sp>
     </p:spTree>
     <p:extLst>
       <p:ext uri="{BB962C8B-B14F-4D97-AF65-F5344CB8AC3E}">
@@ -6068,13 +6073,10 @@
               <a:t>: 		</a:t>
             </a:r>
             <a:r>
-              <a:rPr lang="nl-BE" dirty="0" err="1"/>
-              <a:t>EnOcean</a:t>
-            </a:r>
-            <a:r>
-              <a:rPr lang="nl-BE" dirty="0"/>
-              <a:t> sensoren</a:t>
-            </a:r>
+              <a:rPr lang="nl-BE" dirty="0" smtClean="0"/>
+              <a:t>Communicatie met nutsbedrijven</a:t>
+            </a:r>
+            <a:endParaRPr lang="nl-BE" dirty="0"/>
           </a:p>
           <a:p>
             <a:pPr marL="457200" indent="-457200">
@@ -6087,11 +6089,15 @@
             </a:r>
             <a:r>
               <a:rPr lang="nl-BE" dirty="0"/>
-              <a:t>:			Extra sensoren verbinden m.b.v. </a:t>
-            </a:r>
-            <a:r>
-              <a:rPr lang="nl-BE" dirty="0" err="1"/>
-              <a:t>SigFox</a:t>
+              <a:t>:			Extra </a:t>
+            </a:r>
+            <a:r>
+              <a:rPr lang="nl-BE" dirty="0" smtClean="0"/>
+              <a:t> systemen verbinden met </a:t>
+            </a:r>
+            <a:r>
+              <a:rPr lang="nl-BE" dirty="0" err="1" smtClean="0"/>
+              <a:t>Sigfox</a:t>
             </a:r>
             <a:endParaRPr lang="nl-BE" dirty="0"/>
           </a:p>
@@ -6109,7 +6115,11 @@
               <a:t>:		</a:t>
             </a:r>
             <a:r>
-              <a:rPr lang="nl-BE" dirty="0" err="1"/>
+              <a:rPr lang="nl-BE" dirty="0" smtClean="0"/>
+              <a:t>Interface met </a:t>
+            </a:r>
+            <a:r>
+              <a:rPr lang="nl-BE" dirty="0" err="1" smtClean="0"/>
               <a:t>NodeJs</a:t>
             </a:r>
             <a:endParaRPr lang="nl-BE" dirty="0"/>
@@ -6129,8 +6139,13 @@
             </a:r>
             <a:r>
               <a:rPr lang="nl-BE" dirty="0"/>
-              <a:t>:	Data sensoren &lt;-&gt; klimaatsturing</a:t>
-            </a:r>
+              <a:t>:	</a:t>
+            </a:r>
+            <a:r>
+              <a:rPr lang="nl-BE" dirty="0" smtClean="0"/>
+              <a:t>Vraag en aanbod  elektriciteit en water</a:t>
+            </a:r>
+            <a:endParaRPr lang="nl-BE" dirty="0"/>
           </a:p>
           <a:p>
             <a:pPr marL="457200" indent="-457200">
@@ -6143,8 +6158,13 @@
             </a:r>
             <a:r>
               <a:rPr lang="nl-BE" dirty="0"/>
-              <a:t>:		PLC + sensoren individueel klimaatcontrole</a:t>
-            </a:r>
+              <a:t>:		</a:t>
+            </a:r>
+            <a:r>
+              <a:rPr lang="nl-BE" dirty="0" smtClean="0"/>
+              <a:t>PLC + sensoren individueel klimaatcontrole</a:t>
+            </a:r>
+            <a:endParaRPr lang="nl-BE" dirty="0"/>
           </a:p>
           <a:p>
             <a:pPr marL="457200" indent="-457200">
@@ -6161,11 +6181,11 @@
             </a:r>
             <a:r>
               <a:rPr lang="nl-BE" dirty="0"/>
-              <a:t>:	database + </a:t>
-            </a:r>
-            <a:r>
-              <a:rPr lang="nl-BE" dirty="0" err="1"/>
-              <a:t>webinterface</a:t>
+              <a:t>:	</a:t>
+            </a:r>
+            <a:r>
+              <a:rPr lang="nl-BE" dirty="0" smtClean="0"/>
+              <a:t>inzicht in temperatuur en waterverbruik systeem</a:t>
             </a:r>
             <a:endParaRPr lang="nl-BE" dirty="0"/>
           </a:p>
@@ -6868,15 +6888,55 @@
           <a:lstStyle/>
           <a:p>
             <a:r>
-              <a:rPr lang="nl-BE" dirty="0"/>
-              <a:t>“Smart hotel”</a:t>
-            </a:r>
+              <a:rPr lang="nl-BE" dirty="0" smtClean="0"/>
+              <a:t>Bioscoopcomplex</a:t>
+            </a:r>
+            <a:endParaRPr lang="nl-BE" dirty="0"/>
+          </a:p>
+        </p:txBody>
+      </p:sp>
+      <p:sp>
+        <p:nvSpPr>
+          <p:cNvPr id="5" name="Tekstvak 4"/>
+          <p:cNvSpPr txBox="1"/>
+          <p:nvPr/>
+        </p:nvSpPr>
+        <p:spPr>
+          <a:xfrm>
+            <a:off x="2994313" y="5994937"/>
+            <a:ext cx="3128485" cy="276999"/>
+          </a:xfrm>
+          <a:prstGeom prst="rect">
+            <a:avLst/>
+          </a:prstGeom>
+          <a:noFill/>
+        </p:spPr>
+        <p:txBody>
+          <a:bodyPr wrap="none" rtlCol="0">
+            <a:spAutoFit/>
+          </a:bodyPr>
+          <a:lstStyle/>
+          <a:p>
+            <a:pPr algn="ctr"/>
+            <a:r>
+              <a:rPr lang="nl-BE" sz="1200" dirty="0"/>
+              <a:t>Afbeelding 2: </a:t>
+            </a:r>
+            <a:r>
+              <a:rPr lang="nl-BE" sz="1200"/>
+              <a:t>flowchart </a:t>
+            </a:r>
+            <a:r>
+              <a:rPr lang="nl-BE" sz="1200" smtClean="0"/>
+              <a:t>Bioscoopcomplex</a:t>
+            </a:r>
+            <a:endParaRPr lang="nl-BE" sz="1200" dirty="0"/>
           </a:p>
         </p:txBody>
       </p:sp>
       <p:pic>
         <p:nvPicPr>
-          <p:cNvPr id="4" name="Tijdelijke aanduiding voor inhoud 3"/>
+          <p:cNvPr id="6" name="Tijdelijke aanduiding voor inhoud 5"/>
           <p:cNvPicPr>
             <a:picLocks noGrp="1" noChangeAspect="1"/>
           </p:cNvPicPr>
@@ -6898,41 +6958,11 @@
         </p:blipFill>
         <p:spPr>
           <a:xfrm>
-            <a:off x="1937523" y="2097088"/>
-            <a:ext cx="8313777" cy="3541712"/>
+            <a:off x="3148457" y="1509337"/>
+            <a:ext cx="5884436" cy="4485600"/>
           </a:xfrm>
         </p:spPr>
       </p:pic>
-      <p:sp>
-        <p:nvSpPr>
-          <p:cNvPr id="5" name="Tekstvak 4"/>
-          <p:cNvSpPr txBox="1"/>
-          <p:nvPr/>
-        </p:nvSpPr>
-        <p:spPr>
-          <a:xfrm>
-            <a:off x="4259212" y="5615301"/>
-            <a:ext cx="2820196" cy="276999"/>
-          </a:xfrm>
-          <a:prstGeom prst="rect">
-            <a:avLst/>
-          </a:prstGeom>
-          <a:noFill/>
-        </p:spPr>
-        <p:txBody>
-          <a:bodyPr wrap="none" rtlCol="0">
-            <a:spAutoFit/>
-          </a:bodyPr>
-          <a:lstStyle/>
-          <a:p>
-            <a:pPr algn="ctr"/>
-            <a:r>
-              <a:rPr lang="nl-BE" sz="1200" dirty="0"/>
-              <a:t>Afbeelding 2: flowchart “Smart hotel”</a:t>
-            </a:r>
-          </a:p>
-        </p:txBody>
-      </p:sp>
     </p:spTree>
     <p:extLst>
       <p:ext uri="{BB962C8B-B14F-4D97-AF65-F5344CB8AC3E}">
@@ -7039,13 +7069,10 @@
               <a:t>: 		 </a:t>
             </a:r>
             <a:r>
-              <a:rPr lang="nl-BE" dirty="0" err="1"/>
-              <a:t>EnOcean</a:t>
-            </a:r>
-            <a:r>
-              <a:rPr lang="nl-BE" dirty="0"/>
-              <a:t> sensoren/Card readers</a:t>
-            </a:r>
+              <a:rPr lang="nl-BE" dirty="0" smtClean="0"/>
+              <a:t>Verschillende bioscoopcomplexen met elkaar</a:t>
+            </a:r>
+            <a:endParaRPr lang="nl-BE" dirty="0"/>
           </a:p>
           <a:p>
             <a:pPr marL="457200" indent="-457200">
@@ -7058,11 +7085,11 @@
             </a:r>
             <a:r>
               <a:rPr lang="nl-BE" dirty="0"/>
-              <a:t>:			 Kamers/hotels verbinden m.b.v. </a:t>
-            </a:r>
-            <a:r>
-              <a:rPr lang="nl-BE" dirty="0" err="1"/>
-              <a:t>SigFox</a:t>
+              <a:t>:			 </a:t>
+            </a:r>
+            <a:r>
+              <a:rPr lang="nl-BE" dirty="0" smtClean="0"/>
+              <a:t>Andere complexen/ketens op zelfde systeem</a:t>
             </a:r>
             <a:endParaRPr lang="nl-BE" dirty="0"/>
           </a:p>
@@ -7080,6 +7107,10 @@
               <a:t>:		 </a:t>
             </a:r>
             <a:r>
+              <a:rPr lang="nl-BE" dirty="0"/>
+              <a:t>Interface met </a:t>
+            </a:r>
+            <a:r>
               <a:rPr lang="nl-BE" dirty="0" err="1"/>
               <a:t>NodeJs</a:t>
             </a:r>
@@ -7091,7 +7122,7 @@
               <a:buAutoNum type="arabicPeriod"/>
             </a:pPr>
             <a:r>
-              <a:rPr lang="nl-BE" dirty="0"/>
+              <a:rPr lang="nl-BE" dirty="0" smtClean="0"/>
               <a:t>Real-time </a:t>
             </a:r>
             <a:r>
@@ -7100,8 +7131,13 @@
             </a:r>
             <a:r>
               <a:rPr lang="nl-BE" dirty="0"/>
-              <a:t>:	 Data sensoren&lt;-&gt; klimaatsturing/beveiliging</a:t>
-            </a:r>
+              <a:t>:	 </a:t>
+            </a:r>
+            <a:r>
+              <a:rPr lang="nl-BE" dirty="0" smtClean="0"/>
+              <a:t>Info over weer, .. rechtstreeks in systeem</a:t>
+            </a:r>
+            <a:endParaRPr lang="nl-BE" dirty="0"/>
           </a:p>
           <a:p>
             <a:pPr marL="457200" indent="-457200">
@@ -7114,8 +7150,13 @@
             </a:r>
             <a:r>
               <a:rPr lang="nl-BE" dirty="0"/>
-              <a:t>:		 PLC + sensoren individueel klimaatcontrole</a:t>
-            </a:r>
+              <a:t>:		 </a:t>
+            </a:r>
+            <a:r>
+              <a:rPr lang="nl-BE" dirty="0" smtClean="0"/>
+              <a:t>Elk complex individueel</a:t>
+            </a:r>
+            <a:endParaRPr lang="nl-BE" dirty="0"/>
           </a:p>
           <a:p>
             <a:pPr marL="457200" indent="-457200">

--- a/Presentaties/1Projectvoorstel/Projectvoorstel.pptx
+++ b/Presentaties/1Projectvoorstel/Projectvoorstel.pptx
@@ -251,7 +251,7 @@
             <a:fld id="{B61BEF0D-F0BB-DE4B-95CE-6DB70DBA9567}" type="datetimeFigureOut">
               <a:rPr lang="en-US" smtClean="0"/>
               <a:pPr/>
-              <a:t>9/23/2019</a:t>
+              <a:t>23-Sep-19</a:t>
             </a:fld>
             <a:endParaRPr lang="en-US" dirty="0"/>
           </a:p>
@@ -540,7 +540,7 @@
             <a:fld id="{B61BEF0D-F0BB-DE4B-95CE-6DB70DBA9567}" type="datetimeFigureOut">
               <a:rPr lang="en-US" smtClean="0"/>
               <a:pPr/>
-              <a:t>9/23/2019</a:t>
+              <a:t>23-Sep-19</a:t>
             </a:fld>
             <a:endParaRPr lang="en-US" dirty="0"/>
           </a:p>
@@ -734,7 +734,7 @@
             <a:fld id="{B61BEF0D-F0BB-DE4B-95CE-6DB70DBA9567}" type="datetimeFigureOut">
               <a:rPr lang="en-US" smtClean="0"/>
               <a:pPr/>
-              <a:t>9/23/2019</a:t>
+              <a:t>23-Sep-19</a:t>
             </a:fld>
             <a:endParaRPr lang="en-US" dirty="0"/>
           </a:p>
@@ -997,7 +997,7 @@
             <a:fld id="{B61BEF0D-F0BB-DE4B-95CE-6DB70DBA9567}" type="datetimeFigureOut">
               <a:rPr lang="en-US" smtClean="0"/>
               <a:pPr/>
-              <a:t>9/23/2019</a:t>
+              <a:t>23-Sep-19</a:t>
             </a:fld>
             <a:endParaRPr lang="en-US" dirty="0"/>
           </a:p>
@@ -1423,7 +1423,7 @@
             <a:fld id="{B61BEF0D-F0BB-DE4B-95CE-6DB70DBA9567}" type="datetimeFigureOut">
               <a:rPr lang="en-US" smtClean="0"/>
               <a:pPr/>
-              <a:t>9/23/2019</a:t>
+              <a:t>23-Sep-19</a:t>
             </a:fld>
             <a:endParaRPr lang="en-US" dirty="0"/>
           </a:p>
@@ -1971,7 +1971,7 @@
             <a:fld id="{B61BEF0D-F0BB-DE4B-95CE-6DB70DBA9567}" type="datetimeFigureOut">
               <a:rPr lang="en-US" smtClean="0"/>
               <a:pPr/>
-              <a:t>9/23/2019</a:t>
+              <a:t>23-Sep-19</a:t>
             </a:fld>
             <a:endParaRPr lang="en-US" dirty="0"/>
           </a:p>
@@ -2813,7 +2813,7 @@
             <a:fld id="{B61BEF0D-F0BB-DE4B-95CE-6DB70DBA9567}" type="datetimeFigureOut">
               <a:rPr lang="en-US" smtClean="0"/>
               <a:pPr/>
-              <a:t>9/23/2019</a:t>
+              <a:t>23-Sep-19</a:t>
             </a:fld>
             <a:endParaRPr lang="en-US" dirty="0"/>
           </a:p>
@@ -2985,7 +2985,7 @@
             <a:fld id="{B61BEF0D-F0BB-DE4B-95CE-6DB70DBA9567}" type="datetimeFigureOut">
               <a:rPr lang="en-US" smtClean="0"/>
               <a:pPr/>
-              <a:t>9/23/2019</a:t>
+              <a:t>23-Sep-19</a:t>
             </a:fld>
             <a:endParaRPr lang="en-US" dirty="0"/>
           </a:p>
@@ -3171,7 +3171,7 @@
             <a:fld id="{B61BEF0D-F0BB-DE4B-95CE-6DB70DBA9567}" type="datetimeFigureOut">
               <a:rPr lang="en-US" smtClean="0"/>
               <a:pPr/>
-              <a:t>9/23/2019</a:t>
+              <a:t>23-Sep-19</a:t>
             </a:fld>
             <a:endParaRPr lang="en-US" dirty="0"/>
           </a:p>
@@ -3343,7 +3343,7 @@
             <a:fld id="{B61BEF0D-F0BB-DE4B-95CE-6DB70DBA9567}" type="datetimeFigureOut">
               <a:rPr lang="en-US" smtClean="0"/>
               <a:pPr/>
-              <a:t>9/23/2019</a:t>
+              <a:t>23-Sep-19</a:t>
             </a:fld>
             <a:endParaRPr lang="en-US" dirty="0"/>
           </a:p>
@@ -3593,7 +3593,7 @@
             <a:fld id="{B61BEF0D-F0BB-DE4B-95CE-6DB70DBA9567}" type="datetimeFigureOut">
               <a:rPr lang="en-US" smtClean="0"/>
               <a:pPr/>
-              <a:t>9/23/2019</a:t>
+              <a:t>23-Sep-19</a:t>
             </a:fld>
             <a:endParaRPr lang="en-US" dirty="0"/>
           </a:p>
@@ -3832,7 +3832,7 @@
             <a:fld id="{B61BEF0D-F0BB-DE4B-95CE-6DB70DBA9567}" type="datetimeFigureOut">
               <a:rPr lang="en-US" smtClean="0"/>
               <a:pPr/>
-              <a:t>9/23/2019</a:t>
+              <a:t>23-Sep-19</a:t>
             </a:fld>
             <a:endParaRPr lang="en-US" dirty="0"/>
           </a:p>
@@ -4207,7 +4207,7 @@
             <a:fld id="{B61BEF0D-F0BB-DE4B-95CE-6DB70DBA9567}" type="datetimeFigureOut">
               <a:rPr lang="en-US" smtClean="0"/>
               <a:pPr/>
-              <a:t>9/23/2019</a:t>
+              <a:t>23-Sep-19</a:t>
             </a:fld>
             <a:endParaRPr lang="en-US" dirty="0"/>
           </a:p>
@@ -4327,7 +4327,7 @@
             <a:fld id="{B61BEF0D-F0BB-DE4B-95CE-6DB70DBA9567}" type="datetimeFigureOut">
               <a:rPr lang="en-US" smtClean="0"/>
               <a:pPr/>
-              <a:t>9/23/2019</a:t>
+              <a:t>23-Sep-19</a:t>
             </a:fld>
             <a:endParaRPr lang="en-US" dirty="0"/>
           </a:p>
@@ -4424,7 +4424,7 @@
             <a:fld id="{B61BEF0D-F0BB-DE4B-95CE-6DB70DBA9567}" type="datetimeFigureOut">
               <a:rPr lang="en-US" smtClean="0"/>
               <a:pPr/>
-              <a:t>9/23/2019</a:t>
+              <a:t>23-Sep-19</a:t>
             </a:fld>
             <a:endParaRPr lang="en-US" dirty="0"/>
           </a:p>
@@ -4677,7 +4677,7 @@
             <a:fld id="{B61BEF0D-F0BB-DE4B-95CE-6DB70DBA9567}" type="datetimeFigureOut">
               <a:rPr lang="en-US" smtClean="0"/>
               <a:pPr/>
-              <a:t>9/23/2019</a:t>
+              <a:t>23-Sep-19</a:t>
             </a:fld>
             <a:endParaRPr lang="en-US" dirty="0"/>
           </a:p>
@@ -4966,7 +4966,7 @@
             <a:fld id="{B61BEF0D-F0BB-DE4B-95CE-6DB70DBA9567}" type="datetimeFigureOut">
               <a:rPr lang="en-US" smtClean="0"/>
               <a:pPr/>
-              <a:t>9/23/2019</a:t>
+              <a:t>23-Sep-19</a:t>
             </a:fld>
             <a:endParaRPr lang="en-US" dirty="0"/>
           </a:p>
@@ -5181,7 +5181,7 @@
             <a:fld id="{B61BEF0D-F0BB-DE4B-95CE-6DB70DBA9567}" type="datetimeFigureOut">
               <a:rPr lang="en-US" smtClean="0"/>
               <a:pPr/>
-              <a:t>9/23/2019</a:t>
+              <a:t>23-Sep-19</a:t>
             </a:fld>
             <a:endParaRPr lang="en-US" dirty="0"/>
           </a:p>
@@ -5810,13 +5810,8 @@
             </a:pPr>
             <a:r>
               <a:rPr lang="nl-BE" dirty="0"/>
-              <a:t> </a:t>
-            </a:r>
-            <a:r>
-              <a:rPr lang="nl-BE" dirty="0" err="1" smtClean="0"/>
-              <a:t>Bioscoopcomlex</a:t>
-            </a:r>
-            <a:endParaRPr lang="nl-BE" dirty="0"/>
+              <a:t> Bioscoopcomplex</a:t>
+            </a:r>
           </a:p>
           <a:p>
             <a:pPr>
@@ -5831,13 +5826,8 @@
             </a:pPr>
             <a:r>
               <a:rPr lang="nl-BE" dirty="0"/>
-              <a:t>Beide systemen hebben een database met </a:t>
-            </a:r>
-            <a:r>
-              <a:rPr lang="nl-BE" dirty="0" err="1"/>
-              <a:t>webinterface</a:t>
-            </a:r>
-            <a:endParaRPr lang="nl-BE" dirty="0"/>
+              <a:t>Beide systemen hebben een database met web interface</a:t>
+            </a:r>
           </a:p>
           <a:p>
             <a:pPr>
@@ -6070,13 +6060,8 @@
             </a:r>
             <a:r>
               <a:rPr lang="nl-BE" dirty="0"/>
-              <a:t>: 		</a:t>
-            </a:r>
-            <a:r>
-              <a:rPr lang="nl-BE" dirty="0" smtClean="0"/>
-              <a:t>Communicatie met nutsbedrijven</a:t>
-            </a:r>
-            <a:endParaRPr lang="nl-BE" dirty="0"/>
+              <a:t>: 		Communicatie met nutsbedrijven</a:t>
+            </a:r>
           </a:p>
           <a:p>
             <a:pPr marL="457200" indent="-457200">
@@ -6089,14 +6074,10 @@
             </a:r>
             <a:r>
               <a:rPr lang="nl-BE" dirty="0"/>
-              <a:t>:			Extra </a:t>
-            </a:r>
-            <a:r>
-              <a:rPr lang="nl-BE" dirty="0" smtClean="0"/>
-              <a:t> systemen verbinden met </a:t>
-            </a:r>
-            <a:r>
-              <a:rPr lang="nl-BE" dirty="0" err="1" smtClean="0"/>
+              <a:t>:			Extra  systemen verbinden met </a:t>
+            </a:r>
+            <a:r>
+              <a:rPr lang="nl-BE" dirty="0" err="1"/>
               <a:t>Sigfox</a:t>
             </a:r>
             <a:endParaRPr lang="nl-BE" dirty="0"/>
@@ -6112,14 +6093,10 @@
             </a:r>
             <a:r>
               <a:rPr lang="nl-BE" dirty="0"/>
-              <a:t>:		</a:t>
-            </a:r>
-            <a:r>
-              <a:rPr lang="nl-BE" dirty="0" smtClean="0"/>
-              <a:t>Interface met </a:t>
-            </a:r>
-            <a:r>
-              <a:rPr lang="nl-BE" dirty="0" err="1" smtClean="0"/>
+              <a:t>:		Interface met </a:t>
+            </a:r>
+            <a:r>
+              <a:rPr lang="nl-BE" dirty="0" err="1"/>
               <a:t>NodeJs</a:t>
             </a:r>
             <a:endParaRPr lang="nl-BE" dirty="0"/>
@@ -6139,13 +6116,8 @@
             </a:r>
             <a:r>
               <a:rPr lang="nl-BE" dirty="0"/>
-              <a:t>:	</a:t>
-            </a:r>
-            <a:r>
-              <a:rPr lang="nl-BE" dirty="0" smtClean="0"/>
-              <a:t>Vraag en aanbod  elektriciteit en water</a:t>
-            </a:r>
-            <a:endParaRPr lang="nl-BE" dirty="0"/>
+              <a:t>:	Vraag en aanbod  elektriciteit en water</a:t>
+            </a:r>
           </a:p>
           <a:p>
             <a:pPr marL="457200" indent="-457200">
@@ -6158,13 +6130,8 @@
             </a:r>
             <a:r>
               <a:rPr lang="nl-BE" dirty="0"/>
-              <a:t>:		</a:t>
-            </a:r>
-            <a:r>
-              <a:rPr lang="nl-BE" dirty="0" smtClean="0"/>
-              <a:t>PLC + sensoren individueel klimaatcontrole</a:t>
-            </a:r>
-            <a:endParaRPr lang="nl-BE" dirty="0"/>
+              <a:t>:		PLC + sensoren individueel klimaatcontrole</a:t>
+            </a:r>
           </a:p>
           <a:p>
             <a:pPr marL="457200" indent="-457200">
@@ -6181,13 +6148,8 @@
             </a:r>
             <a:r>
               <a:rPr lang="nl-BE" dirty="0"/>
-              <a:t>:	</a:t>
-            </a:r>
-            <a:r>
-              <a:rPr lang="nl-BE" dirty="0" smtClean="0"/>
-              <a:t>inzicht in temperatuur en waterverbruik systeem</a:t>
-            </a:r>
-            <a:endParaRPr lang="nl-BE" dirty="0"/>
+              <a:t>:	inzicht in temperatuur en waterverbruik systeem</a:t>
+            </a:r>
           </a:p>
         </p:txBody>
       </p:sp>
@@ -6888,10 +6850,9 @@
           <a:lstStyle/>
           <a:p>
             <a:r>
-              <a:rPr lang="nl-BE" dirty="0" smtClean="0"/>
+              <a:rPr lang="nl-BE" dirty="0"/>
               <a:t>Bioscoopcomplex</a:t>
             </a:r>
-            <a:endParaRPr lang="nl-BE" dirty="0"/>
           </a:p>
         </p:txBody>
       </p:sp>
@@ -6920,17 +6881,8 @@
             <a:pPr algn="ctr"/>
             <a:r>
               <a:rPr lang="nl-BE" sz="1200" dirty="0"/>
-              <a:t>Afbeelding 2: </a:t>
-            </a:r>
-            <a:r>
-              <a:rPr lang="nl-BE" sz="1200"/>
-              <a:t>flowchart </a:t>
-            </a:r>
-            <a:r>
-              <a:rPr lang="nl-BE" sz="1200" smtClean="0"/>
-              <a:t>Bioscoopcomplex</a:t>
-            </a:r>
-            <a:endParaRPr lang="nl-BE" sz="1200" dirty="0"/>
+              <a:t>Afbeelding 2: flowchart Bioscoopcomplex</a:t>
+            </a:r>
           </a:p>
         </p:txBody>
       </p:sp>
@@ -7066,13 +7018,8 @@
             </a:r>
             <a:r>
               <a:rPr lang="nl-BE" dirty="0"/>
-              <a:t>: 		 </a:t>
-            </a:r>
-            <a:r>
-              <a:rPr lang="nl-BE" dirty="0" smtClean="0"/>
-              <a:t>Verschillende bioscoopcomplexen met elkaar</a:t>
-            </a:r>
-            <a:endParaRPr lang="nl-BE" dirty="0"/>
+              <a:t>: 		 Verschillende bioscoopcomplexen met elkaar</a:t>
+            </a:r>
           </a:p>
           <a:p>
             <a:pPr marL="457200" indent="-457200">
@@ -7085,13 +7032,8 @@
             </a:r>
             <a:r>
               <a:rPr lang="nl-BE" dirty="0"/>
-              <a:t>:			 </a:t>
-            </a:r>
-            <a:r>
-              <a:rPr lang="nl-BE" dirty="0" smtClean="0"/>
-              <a:t>Andere complexen/ketens op zelfde systeem</a:t>
-            </a:r>
-            <a:endParaRPr lang="nl-BE" dirty="0"/>
+              <a:t>:			 Andere complexen/ketens op zelfde systeem</a:t>
+            </a:r>
           </a:p>
           <a:p>
             <a:pPr marL="457200" indent="-457200">
@@ -7104,11 +7046,7 @@
             </a:r>
             <a:r>
               <a:rPr lang="nl-BE" dirty="0"/>
-              <a:t>:		 </a:t>
-            </a:r>
-            <a:r>
-              <a:rPr lang="nl-BE" dirty="0"/>
-              <a:t>Interface met </a:t>
+              <a:t>:		 Interface met </a:t>
             </a:r>
             <a:r>
               <a:rPr lang="nl-BE" dirty="0" err="1"/>
@@ -7122,7 +7060,7 @@
               <a:buAutoNum type="arabicPeriod"/>
             </a:pPr>
             <a:r>
-              <a:rPr lang="nl-BE" dirty="0" smtClean="0"/>
+              <a:rPr lang="nl-BE" dirty="0"/>
               <a:t>Real-time </a:t>
             </a:r>
             <a:r>
@@ -7131,13 +7069,8 @@
             </a:r>
             <a:r>
               <a:rPr lang="nl-BE" dirty="0"/>
-              <a:t>:	 </a:t>
-            </a:r>
-            <a:r>
-              <a:rPr lang="nl-BE" dirty="0" smtClean="0"/>
-              <a:t>Info over weer, .. rechtstreeks in systeem</a:t>
-            </a:r>
-            <a:endParaRPr lang="nl-BE" dirty="0"/>
+              <a:t>:	 Info over weer, .. rechtstreeks in systeem</a:t>
+            </a:r>
           </a:p>
           <a:p>
             <a:pPr marL="457200" indent="-457200">
@@ -7150,13 +7083,8 @@
             </a:r>
             <a:r>
               <a:rPr lang="nl-BE" dirty="0"/>
-              <a:t>:		 </a:t>
-            </a:r>
-            <a:r>
-              <a:rPr lang="nl-BE" dirty="0" smtClean="0"/>
-              <a:t>Elk complex individueel</a:t>
-            </a:r>
-            <a:endParaRPr lang="nl-BE" dirty="0"/>
+              <a:t>:		 Elk complex individueel</a:t>
+            </a:r>
           </a:p>
           <a:p>
             <a:pPr marL="457200" indent="-457200">
@@ -7173,15 +7101,7 @@
             </a:r>
             <a:r>
               <a:rPr lang="nl-BE" dirty="0"/>
-              <a:t>:	 database + </a:t>
-            </a:r>
-            <a:r>
-              <a:rPr lang="nl-BE" dirty="0" err="1"/>
-              <a:t>webinterface</a:t>
-            </a:r>
-            <a:r>
-              <a:rPr lang="nl-BE" dirty="0"/>
-              <a:t> 	</a:t>
+              <a:t>:	 database + web interface 	</a:t>
             </a:r>
           </a:p>
         </p:txBody>

--- a/Presentaties/1Projectvoorstel/Projectvoorstel.pptx
+++ b/Presentaties/1Projectvoorstel/Projectvoorstel.pptx
@@ -4,6 +4,9 @@
   <p:sldMasterIdLst>
     <p:sldMasterId id="2147483687" r:id="rId1"/>
   </p:sldMasterIdLst>
+  <p:notesMasterIdLst>
+    <p:notesMasterId r:id="rId8"/>
+  </p:notesMasterIdLst>
   <p:sldIdLst>
     <p:sldId id="256" r:id="rId2"/>
     <p:sldId id="257" r:id="rId3"/>
@@ -117,6 +120,443 @@
 </p:presentation>
 </file>
 
+<file path=ppt/notesMasters/notesMaster1.xml><?xml version="1.0" encoding="utf-8"?>
+<p:notesMaster xmlns:a="http://schemas.openxmlformats.org/drawingml/2006/main" xmlns:r="http://schemas.openxmlformats.org/officeDocument/2006/relationships" xmlns:p="http://schemas.openxmlformats.org/presentationml/2006/main">
+  <p:cSld>
+    <p:bg>
+      <p:bgRef idx="1001">
+        <a:schemeClr val="bg1"/>
+      </p:bgRef>
+    </p:bg>
+    <p:spTree>
+      <p:nvGrpSpPr>
+        <p:cNvPr id="1" name=""/>
+        <p:cNvGrpSpPr/>
+        <p:nvPr/>
+      </p:nvGrpSpPr>
+      <p:grpSpPr>
+        <a:xfrm>
+          <a:off x="0" y="0"/>
+          <a:ext cx="0" cy="0"/>
+          <a:chOff x="0" y="0"/>
+          <a:chExt cx="0" cy="0"/>
+        </a:xfrm>
+      </p:grpSpPr>
+      <p:sp>
+        <p:nvSpPr>
+          <p:cNvPr id="2" name="Tijdelijke aanduiding voor koptekst 1"/>
+          <p:cNvSpPr>
+            <a:spLocks noGrp="1"/>
+          </p:cNvSpPr>
+          <p:nvPr>
+            <p:ph type="hdr" sz="quarter"/>
+          </p:nvPr>
+        </p:nvSpPr>
+        <p:spPr>
+          <a:xfrm>
+            <a:off x="0" y="0"/>
+            <a:ext cx="2971800" cy="458788"/>
+          </a:xfrm>
+          <a:prstGeom prst="rect">
+            <a:avLst/>
+          </a:prstGeom>
+        </p:spPr>
+        <p:txBody>
+          <a:bodyPr vert="horz" lIns="91440" tIns="45720" rIns="91440" bIns="45720" rtlCol="0"/>
+          <a:lstStyle>
+            <a:lvl1pPr algn="l">
+              <a:defRPr sz="1200"/>
+            </a:lvl1pPr>
+          </a:lstStyle>
+          <a:p>
+            <a:endParaRPr lang="nl-BE"/>
+          </a:p>
+        </p:txBody>
+      </p:sp>
+      <p:sp>
+        <p:nvSpPr>
+          <p:cNvPr id="3" name="Tijdelijke aanduiding voor datum 2"/>
+          <p:cNvSpPr>
+            <a:spLocks noGrp="1"/>
+          </p:cNvSpPr>
+          <p:nvPr>
+            <p:ph type="dt" idx="1"/>
+          </p:nvPr>
+        </p:nvSpPr>
+        <p:spPr>
+          <a:xfrm>
+            <a:off x="3884613" y="0"/>
+            <a:ext cx="2971800" cy="458788"/>
+          </a:xfrm>
+          <a:prstGeom prst="rect">
+            <a:avLst/>
+          </a:prstGeom>
+        </p:spPr>
+        <p:txBody>
+          <a:bodyPr vert="horz" lIns="91440" tIns="45720" rIns="91440" bIns="45720" rtlCol="0"/>
+          <a:lstStyle>
+            <a:lvl1pPr algn="r">
+              <a:defRPr sz="1200"/>
+            </a:lvl1pPr>
+          </a:lstStyle>
+          <a:p>
+            <a:fld id="{54A1DFDA-1180-4AF1-A0E0-82CFD632C2E0}" type="datetimeFigureOut">
+              <a:rPr lang="nl-BE" smtClean="0"/>
+              <a:t>24/09/2019</a:t>
+            </a:fld>
+            <a:endParaRPr lang="nl-BE"/>
+          </a:p>
+        </p:txBody>
+      </p:sp>
+      <p:sp>
+        <p:nvSpPr>
+          <p:cNvPr id="4" name="Tijdelijke aanduiding voor dia-afbeelding 3"/>
+          <p:cNvSpPr>
+            <a:spLocks noGrp="1" noRot="1" noChangeAspect="1"/>
+          </p:cNvSpPr>
+          <p:nvPr>
+            <p:ph type="sldImg" idx="2"/>
+          </p:nvPr>
+        </p:nvSpPr>
+        <p:spPr>
+          <a:xfrm>
+            <a:off x="685800" y="1143000"/>
+            <a:ext cx="5486400" cy="3086100"/>
+          </a:xfrm>
+          <a:prstGeom prst="rect">
+            <a:avLst/>
+          </a:prstGeom>
+          <a:noFill/>
+          <a:ln w="12700">
+            <a:solidFill>
+              <a:prstClr val="black"/>
+            </a:solidFill>
+          </a:ln>
+        </p:spPr>
+        <p:txBody>
+          <a:bodyPr vert="horz" lIns="91440" tIns="45720" rIns="91440" bIns="45720" rtlCol="0" anchor="ctr"/>
+          <a:lstStyle/>
+          <a:p>
+            <a:endParaRPr lang="nl-BE"/>
+          </a:p>
+        </p:txBody>
+      </p:sp>
+      <p:sp>
+        <p:nvSpPr>
+          <p:cNvPr id="5" name="Tijdelijke aanduiding voor notities 4"/>
+          <p:cNvSpPr>
+            <a:spLocks noGrp="1"/>
+          </p:cNvSpPr>
+          <p:nvPr>
+            <p:ph type="body" sz="quarter" idx="3"/>
+          </p:nvPr>
+        </p:nvSpPr>
+        <p:spPr>
+          <a:xfrm>
+            <a:off x="685800" y="4400550"/>
+            <a:ext cx="5486400" cy="3600450"/>
+          </a:xfrm>
+          <a:prstGeom prst="rect">
+            <a:avLst/>
+          </a:prstGeom>
+        </p:spPr>
+        <p:txBody>
+          <a:bodyPr vert="horz" lIns="91440" tIns="45720" rIns="91440" bIns="45720" rtlCol="0"/>
+          <a:lstStyle/>
+          <a:p>
+            <a:pPr lvl="0"/>
+            <a:r>
+              <a:rPr lang="nl-NL"/>
+              <a:t>Klikken om de tekststijl van het model te bewerken</a:t>
+            </a:r>
+          </a:p>
+          <a:p>
+            <a:pPr lvl="1"/>
+            <a:r>
+              <a:rPr lang="nl-NL"/>
+              <a:t>Tweede niveau</a:t>
+            </a:r>
+          </a:p>
+          <a:p>
+            <a:pPr lvl="2"/>
+            <a:r>
+              <a:rPr lang="nl-NL"/>
+              <a:t>Derde niveau</a:t>
+            </a:r>
+          </a:p>
+          <a:p>
+            <a:pPr lvl="3"/>
+            <a:r>
+              <a:rPr lang="nl-NL"/>
+              <a:t>Vierde niveau</a:t>
+            </a:r>
+          </a:p>
+          <a:p>
+            <a:pPr lvl="4"/>
+            <a:r>
+              <a:rPr lang="nl-NL"/>
+              <a:t>Vijfde niveau</a:t>
+            </a:r>
+            <a:endParaRPr lang="nl-BE"/>
+          </a:p>
+        </p:txBody>
+      </p:sp>
+      <p:sp>
+        <p:nvSpPr>
+          <p:cNvPr id="6" name="Tijdelijke aanduiding voor voettekst 5"/>
+          <p:cNvSpPr>
+            <a:spLocks noGrp="1"/>
+          </p:cNvSpPr>
+          <p:nvPr>
+            <p:ph type="ftr" sz="quarter" idx="4"/>
+          </p:nvPr>
+        </p:nvSpPr>
+        <p:spPr>
+          <a:xfrm>
+            <a:off x="0" y="8685213"/>
+            <a:ext cx="2971800" cy="458787"/>
+          </a:xfrm>
+          <a:prstGeom prst="rect">
+            <a:avLst/>
+          </a:prstGeom>
+        </p:spPr>
+        <p:txBody>
+          <a:bodyPr vert="horz" lIns="91440" tIns="45720" rIns="91440" bIns="45720" rtlCol="0" anchor="b"/>
+          <a:lstStyle>
+            <a:lvl1pPr algn="l">
+              <a:defRPr sz="1200"/>
+            </a:lvl1pPr>
+          </a:lstStyle>
+          <a:p>
+            <a:endParaRPr lang="nl-BE"/>
+          </a:p>
+        </p:txBody>
+      </p:sp>
+      <p:sp>
+        <p:nvSpPr>
+          <p:cNvPr id="7" name="Tijdelijke aanduiding voor dianummer 6"/>
+          <p:cNvSpPr>
+            <a:spLocks noGrp="1"/>
+          </p:cNvSpPr>
+          <p:nvPr>
+            <p:ph type="sldNum" sz="quarter" idx="5"/>
+          </p:nvPr>
+        </p:nvSpPr>
+        <p:spPr>
+          <a:xfrm>
+            <a:off x="3884613" y="8685213"/>
+            <a:ext cx="2971800" cy="458787"/>
+          </a:xfrm>
+          <a:prstGeom prst="rect">
+            <a:avLst/>
+          </a:prstGeom>
+        </p:spPr>
+        <p:txBody>
+          <a:bodyPr vert="horz" lIns="91440" tIns="45720" rIns="91440" bIns="45720" rtlCol="0" anchor="b"/>
+          <a:lstStyle>
+            <a:lvl1pPr algn="r">
+              <a:defRPr sz="1200"/>
+            </a:lvl1pPr>
+          </a:lstStyle>
+          <a:p>
+            <a:fld id="{76D1E0DF-CA5B-4B68-8FBC-378A027783A1}" type="slidenum">
+              <a:rPr lang="nl-BE" smtClean="0"/>
+              <a:t>‹nr.›</a:t>
+            </a:fld>
+            <a:endParaRPr lang="nl-BE"/>
+          </a:p>
+        </p:txBody>
+      </p:sp>
+    </p:spTree>
+    <p:extLst>
+      <p:ext uri="{BB962C8B-B14F-4D97-AF65-F5344CB8AC3E}">
+        <p14:creationId xmlns:p14="http://schemas.microsoft.com/office/powerpoint/2010/main" val="4253160496"/>
+      </p:ext>
+    </p:extLst>
+  </p:cSld>
+  <p:clrMap bg1="lt1" tx1="dk1" bg2="lt2" tx2="dk2" accent1="accent1" accent2="accent2" accent3="accent3" accent4="accent4" accent5="accent5" accent6="accent6" hlink="hlink" folHlink="folHlink"/>
+  <p:notesStyle>
+    <a:lvl1pPr marL="0" algn="l" defTabSz="914400" rtl="0" eaLnBrk="1" latinLnBrk="0" hangingPunct="1">
+      <a:defRPr sz="1200" kern="1200">
+        <a:solidFill>
+          <a:schemeClr val="tx1"/>
+        </a:solidFill>
+        <a:latin typeface="+mn-lt"/>
+        <a:ea typeface="+mn-ea"/>
+        <a:cs typeface="+mn-cs"/>
+      </a:defRPr>
+    </a:lvl1pPr>
+    <a:lvl2pPr marL="457200" algn="l" defTabSz="914400" rtl="0" eaLnBrk="1" latinLnBrk="0" hangingPunct="1">
+      <a:defRPr sz="1200" kern="1200">
+        <a:solidFill>
+          <a:schemeClr val="tx1"/>
+        </a:solidFill>
+        <a:latin typeface="+mn-lt"/>
+        <a:ea typeface="+mn-ea"/>
+        <a:cs typeface="+mn-cs"/>
+      </a:defRPr>
+    </a:lvl2pPr>
+    <a:lvl3pPr marL="914400" algn="l" defTabSz="914400" rtl="0" eaLnBrk="1" latinLnBrk="0" hangingPunct="1">
+      <a:defRPr sz="1200" kern="1200">
+        <a:solidFill>
+          <a:schemeClr val="tx1"/>
+        </a:solidFill>
+        <a:latin typeface="+mn-lt"/>
+        <a:ea typeface="+mn-ea"/>
+        <a:cs typeface="+mn-cs"/>
+      </a:defRPr>
+    </a:lvl3pPr>
+    <a:lvl4pPr marL="1371600" algn="l" defTabSz="914400" rtl="0" eaLnBrk="1" latinLnBrk="0" hangingPunct="1">
+      <a:defRPr sz="1200" kern="1200">
+        <a:solidFill>
+          <a:schemeClr val="tx1"/>
+        </a:solidFill>
+        <a:latin typeface="+mn-lt"/>
+        <a:ea typeface="+mn-ea"/>
+        <a:cs typeface="+mn-cs"/>
+      </a:defRPr>
+    </a:lvl4pPr>
+    <a:lvl5pPr marL="1828800" algn="l" defTabSz="914400" rtl="0" eaLnBrk="1" latinLnBrk="0" hangingPunct="1">
+      <a:defRPr sz="1200" kern="1200">
+        <a:solidFill>
+          <a:schemeClr val="tx1"/>
+        </a:solidFill>
+        <a:latin typeface="+mn-lt"/>
+        <a:ea typeface="+mn-ea"/>
+        <a:cs typeface="+mn-cs"/>
+      </a:defRPr>
+    </a:lvl5pPr>
+    <a:lvl6pPr marL="2286000" algn="l" defTabSz="914400" rtl="0" eaLnBrk="1" latinLnBrk="0" hangingPunct="1">
+      <a:defRPr sz="1200" kern="1200">
+        <a:solidFill>
+          <a:schemeClr val="tx1"/>
+        </a:solidFill>
+        <a:latin typeface="+mn-lt"/>
+        <a:ea typeface="+mn-ea"/>
+        <a:cs typeface="+mn-cs"/>
+      </a:defRPr>
+    </a:lvl6pPr>
+    <a:lvl7pPr marL="2743200" algn="l" defTabSz="914400" rtl="0" eaLnBrk="1" latinLnBrk="0" hangingPunct="1">
+      <a:defRPr sz="1200" kern="1200">
+        <a:solidFill>
+          <a:schemeClr val="tx1"/>
+        </a:solidFill>
+        <a:latin typeface="+mn-lt"/>
+        <a:ea typeface="+mn-ea"/>
+        <a:cs typeface="+mn-cs"/>
+      </a:defRPr>
+    </a:lvl7pPr>
+    <a:lvl8pPr marL="3200400" algn="l" defTabSz="914400" rtl="0" eaLnBrk="1" latinLnBrk="0" hangingPunct="1">
+      <a:defRPr sz="1200" kern="1200">
+        <a:solidFill>
+          <a:schemeClr val="tx1"/>
+        </a:solidFill>
+        <a:latin typeface="+mn-lt"/>
+        <a:ea typeface="+mn-ea"/>
+        <a:cs typeface="+mn-cs"/>
+      </a:defRPr>
+    </a:lvl8pPr>
+    <a:lvl9pPr marL="3657600" algn="l" defTabSz="914400" rtl="0" eaLnBrk="1" latinLnBrk="0" hangingPunct="1">
+      <a:defRPr sz="1200" kern="1200">
+        <a:solidFill>
+          <a:schemeClr val="tx1"/>
+        </a:solidFill>
+        <a:latin typeface="+mn-lt"/>
+        <a:ea typeface="+mn-ea"/>
+        <a:cs typeface="+mn-cs"/>
+      </a:defRPr>
+    </a:lvl9pPr>
+  </p:notesStyle>
+</p:notesMaster>
+</file>
+
+<file path=ppt/notesSlides/notesSlide1.xml><?xml version="1.0" encoding="utf-8"?>
+<p:notes xmlns:a="http://schemas.openxmlformats.org/drawingml/2006/main" xmlns:r="http://schemas.openxmlformats.org/officeDocument/2006/relationships" xmlns:p="http://schemas.openxmlformats.org/presentationml/2006/main">
+  <p:cSld>
+    <p:spTree>
+      <p:nvGrpSpPr>
+        <p:cNvPr id="1" name=""/>
+        <p:cNvGrpSpPr/>
+        <p:nvPr/>
+      </p:nvGrpSpPr>
+      <p:grpSpPr>
+        <a:xfrm>
+          <a:off x="0" y="0"/>
+          <a:ext cx="0" cy="0"/>
+          <a:chOff x="0" y="0"/>
+          <a:chExt cx="0" cy="0"/>
+        </a:xfrm>
+      </p:grpSpPr>
+      <p:sp>
+        <p:nvSpPr>
+          <p:cNvPr id="2" name="Tijdelijke aanduiding voor dia-afbeelding 1"/>
+          <p:cNvSpPr>
+            <a:spLocks noGrp="1" noRot="1" noChangeAspect="1"/>
+          </p:cNvSpPr>
+          <p:nvPr>
+            <p:ph type="sldImg"/>
+          </p:nvPr>
+        </p:nvSpPr>
+        <p:spPr/>
+      </p:sp>
+      <p:sp>
+        <p:nvSpPr>
+          <p:cNvPr id="3" name="Tijdelijke aanduiding voor notities 2"/>
+          <p:cNvSpPr>
+            <a:spLocks noGrp="1"/>
+          </p:cNvSpPr>
+          <p:nvPr>
+            <p:ph type="body" idx="1"/>
+          </p:nvPr>
+        </p:nvSpPr>
+        <p:spPr/>
+        <p:txBody>
+          <a:bodyPr/>
+          <a:lstStyle/>
+          <a:p>
+            <a:r>
+              <a:rPr lang="nl-BE"/>
+              <a:t>jason</a:t>
+            </a:r>
+          </a:p>
+        </p:txBody>
+      </p:sp>
+      <p:sp>
+        <p:nvSpPr>
+          <p:cNvPr id="4" name="Tijdelijke aanduiding voor dianummer 3"/>
+          <p:cNvSpPr>
+            <a:spLocks noGrp="1"/>
+          </p:cNvSpPr>
+          <p:nvPr>
+            <p:ph type="sldNum" sz="quarter" idx="5"/>
+          </p:nvPr>
+        </p:nvSpPr>
+        <p:spPr/>
+        <p:txBody>
+          <a:bodyPr/>
+          <a:lstStyle/>
+          <a:p>
+            <a:fld id="{76D1E0DF-CA5B-4B68-8FBC-378A027783A1}" type="slidenum">
+              <a:rPr lang="nl-BE" smtClean="0"/>
+              <a:t>6</a:t>
+            </a:fld>
+            <a:endParaRPr lang="nl-BE"/>
+          </a:p>
+        </p:txBody>
+      </p:sp>
+    </p:spTree>
+    <p:extLst>
+      <p:ext uri="{BB962C8B-B14F-4D97-AF65-F5344CB8AC3E}">
+        <p14:creationId xmlns:p14="http://schemas.microsoft.com/office/powerpoint/2010/main" val="1057687034"/>
+      </p:ext>
+    </p:extLst>
+  </p:cSld>
+  <p:clrMapOvr>
+    <a:masterClrMapping/>
+  </p:clrMapOvr>
+</p:notes>
+</file>
+
 <file path=ppt/slideLayouts/slideLayout1.xml><?xml version="1.0" encoding="utf-8"?>
 <p:sldLayout xmlns:a="http://schemas.openxmlformats.org/drawingml/2006/main" xmlns:r="http://schemas.openxmlformats.org/officeDocument/2006/relationships" xmlns:p="http://schemas.openxmlformats.org/presentationml/2006/main" type="title" preserve="1">
   <p:cSld name="Titeldia">
@@ -251,7 +691,7 @@
             <a:fld id="{B61BEF0D-F0BB-DE4B-95CE-6DB70DBA9567}" type="datetimeFigureOut">
               <a:rPr lang="en-US" smtClean="0"/>
               <a:pPr/>
-              <a:t>23-Sep-19</a:t>
+              <a:t>9/24/2019</a:t>
             </a:fld>
             <a:endParaRPr lang="en-US" dirty="0"/>
           </a:p>
@@ -540,7 +980,7 @@
             <a:fld id="{B61BEF0D-F0BB-DE4B-95CE-6DB70DBA9567}" type="datetimeFigureOut">
               <a:rPr lang="en-US" smtClean="0"/>
               <a:pPr/>
-              <a:t>23-Sep-19</a:t>
+              <a:t>9/24/2019</a:t>
             </a:fld>
             <a:endParaRPr lang="en-US" dirty="0"/>
           </a:p>
@@ -734,7 +1174,7 @@
             <a:fld id="{B61BEF0D-F0BB-DE4B-95CE-6DB70DBA9567}" type="datetimeFigureOut">
               <a:rPr lang="en-US" smtClean="0"/>
               <a:pPr/>
-              <a:t>23-Sep-19</a:t>
+              <a:t>9/24/2019</a:t>
             </a:fld>
             <a:endParaRPr lang="en-US" dirty="0"/>
           </a:p>
@@ -997,7 +1437,7 @@
             <a:fld id="{B61BEF0D-F0BB-DE4B-95CE-6DB70DBA9567}" type="datetimeFigureOut">
               <a:rPr lang="en-US" smtClean="0"/>
               <a:pPr/>
-              <a:t>23-Sep-19</a:t>
+              <a:t>9/24/2019</a:t>
             </a:fld>
             <a:endParaRPr lang="en-US" dirty="0"/>
           </a:p>
@@ -1423,7 +1863,7 @@
             <a:fld id="{B61BEF0D-F0BB-DE4B-95CE-6DB70DBA9567}" type="datetimeFigureOut">
               <a:rPr lang="en-US" smtClean="0"/>
               <a:pPr/>
-              <a:t>23-Sep-19</a:t>
+              <a:t>9/24/2019</a:t>
             </a:fld>
             <a:endParaRPr lang="en-US" dirty="0"/>
           </a:p>
@@ -1971,7 +2411,7 @@
             <a:fld id="{B61BEF0D-F0BB-DE4B-95CE-6DB70DBA9567}" type="datetimeFigureOut">
               <a:rPr lang="en-US" smtClean="0"/>
               <a:pPr/>
-              <a:t>23-Sep-19</a:t>
+              <a:t>9/24/2019</a:t>
             </a:fld>
             <a:endParaRPr lang="en-US" dirty="0"/>
           </a:p>
@@ -2813,7 +3253,7 @@
             <a:fld id="{B61BEF0D-F0BB-DE4B-95CE-6DB70DBA9567}" type="datetimeFigureOut">
               <a:rPr lang="en-US" smtClean="0"/>
               <a:pPr/>
-              <a:t>23-Sep-19</a:t>
+              <a:t>9/24/2019</a:t>
             </a:fld>
             <a:endParaRPr lang="en-US" dirty="0"/>
           </a:p>
@@ -2985,7 +3425,7 @@
             <a:fld id="{B61BEF0D-F0BB-DE4B-95CE-6DB70DBA9567}" type="datetimeFigureOut">
               <a:rPr lang="en-US" smtClean="0"/>
               <a:pPr/>
-              <a:t>23-Sep-19</a:t>
+              <a:t>9/24/2019</a:t>
             </a:fld>
             <a:endParaRPr lang="en-US" dirty="0"/>
           </a:p>
@@ -3171,7 +3611,7 @@
             <a:fld id="{B61BEF0D-F0BB-DE4B-95CE-6DB70DBA9567}" type="datetimeFigureOut">
               <a:rPr lang="en-US" smtClean="0"/>
               <a:pPr/>
-              <a:t>23-Sep-19</a:t>
+              <a:t>9/24/2019</a:t>
             </a:fld>
             <a:endParaRPr lang="en-US" dirty="0"/>
           </a:p>
@@ -3343,7 +3783,7 @@
             <a:fld id="{B61BEF0D-F0BB-DE4B-95CE-6DB70DBA9567}" type="datetimeFigureOut">
               <a:rPr lang="en-US" smtClean="0"/>
               <a:pPr/>
-              <a:t>23-Sep-19</a:t>
+              <a:t>9/24/2019</a:t>
             </a:fld>
             <a:endParaRPr lang="en-US" dirty="0"/>
           </a:p>
@@ -3593,7 +4033,7 @@
             <a:fld id="{B61BEF0D-F0BB-DE4B-95CE-6DB70DBA9567}" type="datetimeFigureOut">
               <a:rPr lang="en-US" smtClean="0"/>
               <a:pPr/>
-              <a:t>23-Sep-19</a:t>
+              <a:t>9/24/2019</a:t>
             </a:fld>
             <a:endParaRPr lang="en-US" dirty="0"/>
           </a:p>
@@ -3832,7 +4272,7 @@
             <a:fld id="{B61BEF0D-F0BB-DE4B-95CE-6DB70DBA9567}" type="datetimeFigureOut">
               <a:rPr lang="en-US" smtClean="0"/>
               <a:pPr/>
-              <a:t>23-Sep-19</a:t>
+              <a:t>9/24/2019</a:t>
             </a:fld>
             <a:endParaRPr lang="en-US" dirty="0"/>
           </a:p>
@@ -4207,7 +4647,7 @@
             <a:fld id="{B61BEF0D-F0BB-DE4B-95CE-6DB70DBA9567}" type="datetimeFigureOut">
               <a:rPr lang="en-US" smtClean="0"/>
               <a:pPr/>
-              <a:t>23-Sep-19</a:t>
+              <a:t>9/24/2019</a:t>
             </a:fld>
             <a:endParaRPr lang="en-US" dirty="0"/>
           </a:p>
@@ -4327,7 +4767,7 @@
             <a:fld id="{B61BEF0D-F0BB-DE4B-95CE-6DB70DBA9567}" type="datetimeFigureOut">
               <a:rPr lang="en-US" smtClean="0"/>
               <a:pPr/>
-              <a:t>23-Sep-19</a:t>
+              <a:t>9/24/2019</a:t>
             </a:fld>
             <a:endParaRPr lang="en-US" dirty="0"/>
           </a:p>
@@ -4424,7 +4864,7 @@
             <a:fld id="{B61BEF0D-F0BB-DE4B-95CE-6DB70DBA9567}" type="datetimeFigureOut">
               <a:rPr lang="en-US" smtClean="0"/>
               <a:pPr/>
-              <a:t>23-Sep-19</a:t>
+              <a:t>9/24/2019</a:t>
             </a:fld>
             <a:endParaRPr lang="en-US" dirty="0"/>
           </a:p>
@@ -4677,7 +5117,7 @@
             <a:fld id="{B61BEF0D-F0BB-DE4B-95CE-6DB70DBA9567}" type="datetimeFigureOut">
               <a:rPr lang="en-US" smtClean="0"/>
               <a:pPr/>
-              <a:t>23-Sep-19</a:t>
+              <a:t>9/24/2019</a:t>
             </a:fld>
             <a:endParaRPr lang="en-US" dirty="0"/>
           </a:p>
@@ -4966,7 +5406,7 @@
             <a:fld id="{B61BEF0D-F0BB-DE4B-95CE-6DB70DBA9567}" type="datetimeFigureOut">
               <a:rPr lang="en-US" smtClean="0"/>
               <a:pPr/>
-              <a:t>23-Sep-19</a:t>
+              <a:t>9/24/2019</a:t>
             </a:fld>
             <a:endParaRPr lang="en-US" dirty="0"/>
           </a:p>
@@ -5181,7 +5621,7 @@
             <a:fld id="{B61BEF0D-F0BB-DE4B-95CE-6DB70DBA9567}" type="datetimeFigureOut">
               <a:rPr lang="en-US" smtClean="0"/>
               <a:pPr/>
-              <a:t>23-Sep-19</a:t>
+              <a:t>9/24/2019</a:t>
             </a:fld>
             <a:endParaRPr lang="en-US" dirty="0"/>
           </a:p>
@@ -8024,4 +8464,299 @@
     </a:ext>
   </a:extLst>
 </a:theme>
+</file>
+
+<file path=ppt/theme/theme2.xml><?xml version="1.0" encoding="utf-8"?>
+<a:theme xmlns:a="http://schemas.openxmlformats.org/drawingml/2006/main" name="Kantoorthema">
+  <a:themeElements>
+    <a:clrScheme name="Office">
+      <a:dk1>
+        <a:sysClr val="windowText" lastClr="000000"/>
+      </a:dk1>
+      <a:lt1>
+        <a:sysClr val="window" lastClr="FFFFFF"/>
+      </a:lt1>
+      <a:dk2>
+        <a:srgbClr val="44546A"/>
+      </a:dk2>
+      <a:lt2>
+        <a:srgbClr val="E7E6E6"/>
+      </a:lt2>
+      <a:accent1>
+        <a:srgbClr val="4472C4"/>
+      </a:accent1>
+      <a:accent2>
+        <a:srgbClr val="ED7D31"/>
+      </a:accent2>
+      <a:accent3>
+        <a:srgbClr val="A5A5A5"/>
+      </a:accent3>
+      <a:accent4>
+        <a:srgbClr val="FFC000"/>
+      </a:accent4>
+      <a:accent5>
+        <a:srgbClr val="5B9BD5"/>
+      </a:accent5>
+      <a:accent6>
+        <a:srgbClr val="70AD47"/>
+      </a:accent6>
+      <a:hlink>
+        <a:srgbClr val="0563C1"/>
+      </a:hlink>
+      <a:folHlink>
+        <a:srgbClr val="954F72"/>
+      </a:folHlink>
+    </a:clrScheme>
+    <a:fontScheme name="Office">
+      <a:majorFont>
+        <a:latin typeface="Calibri Light" panose="020F0302020204030204"/>
+        <a:ea typeface=""/>
+        <a:cs typeface=""/>
+        <a:font script="Jpan" typeface="游ゴシック Light"/>
+        <a:font script="Hang" typeface="맑은 고딕"/>
+        <a:font script="Hans" typeface="等线 Light"/>
+        <a:font script="Hant" typeface="新細明體"/>
+        <a:font script="Arab" typeface="Times New Roman"/>
+        <a:font script="Hebr" typeface="Times New Roman"/>
+        <a:font script="Thai" typeface="Angsana New"/>
+        <a:font script="Ethi" typeface="Nyala"/>
+        <a:font script="Beng" typeface="Vrinda"/>
+        <a:font script="Gujr" typeface="Shruti"/>
+        <a:font script="Khmr" typeface="MoolBoran"/>
+        <a:font script="Knda" typeface="Tunga"/>
+        <a:font script="Guru" typeface="Raavi"/>
+        <a:font script="Cans" typeface="Euphemia"/>
+        <a:font script="Cher" typeface="Plantagenet Cherokee"/>
+        <a:font script="Yiii" typeface="Microsoft Yi Baiti"/>
+        <a:font script="Tibt" typeface="Microsoft Himalaya"/>
+        <a:font script="Thaa" typeface="MV Boli"/>
+        <a:font script="Deva" typeface="Mangal"/>
+        <a:font script="Telu" typeface="Gautami"/>
+        <a:font script="Taml" typeface="Latha"/>
+        <a:font script="Syrc" typeface="Estrangelo Edessa"/>
+        <a:font script="Orya" typeface="Kalinga"/>
+        <a:font script="Mlym" typeface="Kartika"/>
+        <a:font script="Laoo" typeface="DokChampa"/>
+        <a:font script="Sinh" typeface="Iskoola Pota"/>
+        <a:font script="Mong" typeface="Mongolian Baiti"/>
+        <a:font script="Viet" typeface="Times New Roman"/>
+        <a:font script="Uigh" typeface="Microsoft Uighur"/>
+        <a:font script="Geor" typeface="Sylfaen"/>
+        <a:font script="Armn" typeface="Arial"/>
+        <a:font script="Bugi" typeface="Leelawadee UI"/>
+        <a:font script="Bopo" typeface="Microsoft JhengHei"/>
+        <a:font script="Java" typeface="Javanese Text"/>
+        <a:font script="Lisu" typeface="Segoe UI"/>
+        <a:font script="Mymr" typeface="Myanmar Text"/>
+        <a:font script="Nkoo" typeface="Ebrima"/>
+        <a:font script="Olck" typeface="Nirmala UI"/>
+        <a:font script="Osma" typeface="Ebrima"/>
+        <a:font script="Phag" typeface="Phagspa"/>
+        <a:font script="Syrn" typeface="Estrangelo Edessa"/>
+        <a:font script="Syrj" typeface="Estrangelo Edessa"/>
+        <a:font script="Syre" typeface="Estrangelo Edessa"/>
+        <a:font script="Sora" typeface="Nirmala UI"/>
+        <a:font script="Tale" typeface="Microsoft Tai Le"/>
+        <a:font script="Talu" typeface="Microsoft New Tai Lue"/>
+        <a:font script="Tfng" typeface="Ebrima"/>
+      </a:majorFont>
+      <a:minorFont>
+        <a:latin typeface="Calibri" panose="020F0502020204030204"/>
+        <a:ea typeface=""/>
+        <a:cs typeface=""/>
+        <a:font script="Jpan" typeface="游ゴシック"/>
+        <a:font script="Hang" typeface="맑은 고딕"/>
+        <a:font script="Hans" typeface="等线"/>
+        <a:font script="Hant" typeface="新細明體"/>
+        <a:font script="Arab" typeface="Arial"/>
+        <a:font script="Hebr" typeface="Arial"/>
+        <a:font script="Thai" typeface="Cordia New"/>
+        <a:font script="Ethi" typeface="Nyala"/>
+        <a:font script="Beng" typeface="Vrinda"/>
+        <a:font script="Gujr" typeface="Shruti"/>
+        <a:font script="Khmr" typeface="DaunPenh"/>
+        <a:font script="Knda" typeface="Tunga"/>
+        <a:font script="Guru" typeface="Raavi"/>
+        <a:font script="Cans" typeface="Euphemia"/>
+        <a:font script="Cher" typeface="Plantagenet Cherokee"/>
+        <a:font script="Yiii" typeface="Microsoft Yi Baiti"/>
+        <a:font script="Tibt" typeface="Microsoft Himalaya"/>
+        <a:font script="Thaa" typeface="MV Boli"/>
+        <a:font script="Deva" typeface="Mangal"/>
+        <a:font script="Telu" typeface="Gautami"/>
+        <a:font script="Taml" typeface="Latha"/>
+        <a:font script="Syrc" typeface="Estrangelo Edessa"/>
+        <a:font script="Orya" typeface="Kalinga"/>
+        <a:font script="Mlym" typeface="Kartika"/>
+        <a:font script="Laoo" typeface="DokChampa"/>
+        <a:font script="Sinh" typeface="Iskoola Pota"/>
+        <a:font script="Mong" typeface="Mongolian Baiti"/>
+        <a:font script="Viet" typeface="Arial"/>
+        <a:font script="Uigh" typeface="Microsoft Uighur"/>
+        <a:font script="Geor" typeface="Sylfaen"/>
+        <a:font script="Armn" typeface="Arial"/>
+        <a:font script="Bugi" typeface="Leelawadee UI"/>
+        <a:font script="Bopo" typeface="Microsoft JhengHei"/>
+        <a:font script="Java" typeface="Javanese Text"/>
+        <a:font script="Lisu" typeface="Segoe UI"/>
+        <a:font script="Mymr" typeface="Myanmar Text"/>
+        <a:font script="Nkoo" typeface="Ebrima"/>
+        <a:font script="Olck" typeface="Nirmala UI"/>
+        <a:font script="Osma" typeface="Ebrima"/>
+        <a:font script="Phag" typeface="Phagspa"/>
+        <a:font script="Syrn" typeface="Estrangelo Edessa"/>
+        <a:font script="Syrj" typeface="Estrangelo Edessa"/>
+        <a:font script="Syre" typeface="Estrangelo Edessa"/>
+        <a:font script="Sora" typeface="Nirmala UI"/>
+        <a:font script="Tale" typeface="Microsoft Tai Le"/>
+        <a:font script="Talu" typeface="Microsoft New Tai Lue"/>
+        <a:font script="Tfng" typeface="Ebrima"/>
+      </a:minorFont>
+    </a:fontScheme>
+    <a:fmtScheme name="Office">
+      <a:fillStyleLst>
+        <a:solidFill>
+          <a:schemeClr val="phClr"/>
+        </a:solidFill>
+        <a:gradFill rotWithShape="1">
+          <a:gsLst>
+            <a:gs pos="0">
+              <a:schemeClr val="phClr">
+                <a:lumMod val="110000"/>
+                <a:satMod val="105000"/>
+                <a:tint val="67000"/>
+              </a:schemeClr>
+            </a:gs>
+            <a:gs pos="50000">
+              <a:schemeClr val="phClr">
+                <a:lumMod val="105000"/>
+                <a:satMod val="103000"/>
+                <a:tint val="73000"/>
+              </a:schemeClr>
+            </a:gs>
+            <a:gs pos="100000">
+              <a:schemeClr val="phClr">
+                <a:lumMod val="105000"/>
+                <a:satMod val="109000"/>
+                <a:tint val="81000"/>
+              </a:schemeClr>
+            </a:gs>
+          </a:gsLst>
+          <a:lin ang="5400000" scaled="0"/>
+        </a:gradFill>
+        <a:gradFill rotWithShape="1">
+          <a:gsLst>
+            <a:gs pos="0">
+              <a:schemeClr val="phClr">
+                <a:satMod val="103000"/>
+                <a:lumMod val="102000"/>
+                <a:tint val="94000"/>
+              </a:schemeClr>
+            </a:gs>
+            <a:gs pos="50000">
+              <a:schemeClr val="phClr">
+                <a:satMod val="110000"/>
+                <a:lumMod val="100000"/>
+                <a:shade val="100000"/>
+              </a:schemeClr>
+            </a:gs>
+            <a:gs pos="100000">
+              <a:schemeClr val="phClr">
+                <a:lumMod val="99000"/>
+                <a:satMod val="120000"/>
+                <a:shade val="78000"/>
+              </a:schemeClr>
+            </a:gs>
+          </a:gsLst>
+          <a:lin ang="5400000" scaled="0"/>
+        </a:gradFill>
+      </a:fillStyleLst>
+      <a:lnStyleLst>
+        <a:ln w="6350" cap="flat" cmpd="sng" algn="ctr">
+          <a:solidFill>
+            <a:schemeClr val="phClr"/>
+          </a:solidFill>
+          <a:prstDash val="solid"/>
+          <a:miter lim="800000"/>
+        </a:ln>
+        <a:ln w="12700" cap="flat" cmpd="sng" algn="ctr">
+          <a:solidFill>
+            <a:schemeClr val="phClr"/>
+          </a:solidFill>
+          <a:prstDash val="solid"/>
+          <a:miter lim="800000"/>
+        </a:ln>
+        <a:ln w="19050" cap="flat" cmpd="sng" algn="ctr">
+          <a:solidFill>
+            <a:schemeClr val="phClr"/>
+          </a:solidFill>
+          <a:prstDash val="solid"/>
+          <a:miter lim="800000"/>
+        </a:ln>
+      </a:lnStyleLst>
+      <a:effectStyleLst>
+        <a:effectStyle>
+          <a:effectLst/>
+        </a:effectStyle>
+        <a:effectStyle>
+          <a:effectLst/>
+        </a:effectStyle>
+        <a:effectStyle>
+          <a:effectLst>
+            <a:outerShdw blurRad="57150" dist="19050" dir="5400000" algn="ctr" rotWithShape="0">
+              <a:srgbClr val="000000">
+                <a:alpha val="63000"/>
+              </a:srgbClr>
+            </a:outerShdw>
+          </a:effectLst>
+        </a:effectStyle>
+      </a:effectStyleLst>
+      <a:bgFillStyleLst>
+        <a:solidFill>
+          <a:schemeClr val="phClr"/>
+        </a:solidFill>
+        <a:solidFill>
+          <a:schemeClr val="phClr">
+            <a:tint val="95000"/>
+            <a:satMod val="170000"/>
+          </a:schemeClr>
+        </a:solidFill>
+        <a:gradFill rotWithShape="1">
+          <a:gsLst>
+            <a:gs pos="0">
+              <a:schemeClr val="phClr">
+                <a:tint val="93000"/>
+                <a:satMod val="150000"/>
+                <a:shade val="98000"/>
+                <a:lumMod val="102000"/>
+              </a:schemeClr>
+            </a:gs>
+            <a:gs pos="50000">
+              <a:schemeClr val="phClr">
+                <a:tint val="98000"/>
+                <a:satMod val="130000"/>
+                <a:shade val="90000"/>
+                <a:lumMod val="103000"/>
+              </a:schemeClr>
+            </a:gs>
+            <a:gs pos="100000">
+              <a:schemeClr val="phClr">
+                <a:shade val="63000"/>
+                <a:satMod val="120000"/>
+              </a:schemeClr>
+            </a:gs>
+          </a:gsLst>
+          <a:lin ang="5400000" scaled="0"/>
+        </a:gradFill>
+      </a:bgFillStyleLst>
+    </a:fmtScheme>
+  </a:themeElements>
+  <a:objectDefaults/>
+  <a:extraClrSchemeLst/>
+  <a:extLst>
+    <a:ext uri="{05A4C25C-085E-4340-85A3-A5531E510DB2}">
+      <thm15:themeFamily xmlns:thm15="http://schemas.microsoft.com/office/thememl/2012/main" name="Office Theme" id="{62F939B6-93AF-4DB8-9C6B-D6C7DFDC589F}" vid="{4A3C46E8-61CC-4603-A589-7422A47A8E4A}"/>
+    </a:ext>
+  </a:extLst>
+</a:theme>
 </file>
--- a/Presentaties/1Projectvoorstel/Projectvoorstel.pptx
+++ b/Presentaties/1Projectvoorstel/Projectvoorstel.pptx
@@ -7458,7 +7458,7 @@
             </a:r>
             <a:r>
               <a:rPr lang="nl-BE" dirty="0"/>
-              <a:t>: 		 Verschillende bioscoopcomplexen met elkaar</a:t>
+              <a:t>: 		 Bioscoop- complexen/ zalen met elkaar verbinden</a:t>
             </a:r>
           </a:p>
           <a:p>
@@ -7472,7 +7472,7 @@
             </a:r>
             <a:r>
               <a:rPr lang="nl-BE" dirty="0"/>
-              <a:t>:			 Andere complexen/ketens op zelfde systeem</a:t>
+              <a:t>:			 Andere complexen/ketens/zalen op zelfde systeem</a:t>
             </a:r>
           </a:p>
           <a:p>
@@ -7492,7 +7492,10 @@
               <a:rPr lang="nl-BE" dirty="0" err="1"/>
               <a:t>NodeJs</a:t>
             </a:r>
-            <a:endParaRPr lang="nl-BE" dirty="0"/>
+            <a:r>
+              <a:rPr lang="nl-BE" dirty="0"/>
+              <a:t> voor bestuurders</a:t>
+            </a:r>
           </a:p>
           <a:p>
             <a:pPr marL="457200" indent="-457200">
@@ -7523,7 +7526,7 @@
             </a:r>
             <a:r>
               <a:rPr lang="nl-BE" dirty="0"/>
-              <a:t>:		 Elk complex individueel</a:t>
+              <a:t>:		 Individuele complexen, zalen passen automatisch aan</a:t>
             </a:r>
           </a:p>
           <a:p>
@@ -7541,7 +7544,7 @@
             </a:r>
             <a:r>
               <a:rPr lang="nl-BE" dirty="0"/>
-              <a:t>:	 database + web interface 	</a:t>
+              <a:t>:	 Database + web interface 	</a:t>
             </a:r>
           </a:p>
         </p:txBody>

--- a/Presentaties/1Projectvoorstel/Projectvoorstel.pptx
+++ b/Presentaties/1Projectvoorstel/Projectvoorstel.pptx
@@ -6510,15 +6510,15 @@
             </a:pPr>
             <a:r>
               <a:rPr lang="nl-BE" dirty="0" err="1"/>
-              <a:t>Modularity</a:t>
+              <a:t>Virtualisation</a:t>
             </a:r>
             <a:r>
               <a:rPr lang="nl-BE" dirty="0"/>
-              <a:t>:			Extra  systemen verbinden met </a:t>
+              <a:t>:		Interface met </a:t>
             </a:r>
             <a:r>
               <a:rPr lang="nl-BE" dirty="0" err="1"/>
-              <a:t>Sigfox</a:t>
+              <a:t>NodeJs</a:t>
             </a:r>
             <a:endParaRPr lang="nl-BE" dirty="0"/>
           </a:p>
@@ -6529,17 +6529,12 @@
             </a:pPr>
             <a:r>
               <a:rPr lang="nl-BE" dirty="0" err="1"/>
-              <a:t>Virtualisation</a:t>
+              <a:t>Decentralisation</a:t>
             </a:r>
             <a:r>
               <a:rPr lang="nl-BE" dirty="0"/>
-              <a:t>:		Interface met </a:t>
-            </a:r>
-            <a:r>
-              <a:rPr lang="nl-BE" dirty="0" err="1"/>
-              <a:t>NodeJs</a:t>
-            </a:r>
-            <a:endParaRPr lang="nl-BE" dirty="0"/>
+              <a:t>:		PLC + sensoren individueel klimaatcontrole</a:t>
+            </a:r>
           </a:p>
           <a:p>
             <a:pPr marL="457200" indent="-457200">
@@ -6565,13 +6560,18 @@
               <a:buAutoNum type="arabicPeriod"/>
             </a:pPr>
             <a:r>
+              <a:rPr lang="nl-BE" dirty="0"/>
+              <a:t>Service </a:t>
+            </a:r>
+            <a:r>
               <a:rPr lang="nl-BE" dirty="0" err="1"/>
-              <a:t>Decentralisation</a:t>
-            </a:r>
-            <a:r>
-              <a:rPr lang="nl-BE" dirty="0"/>
-              <a:t>:		PLC + sensoren individueel klimaatcontrole</a:t>
-            </a:r>
+              <a:t>orientation</a:t>
+            </a:r>
+            <a:r>
+              <a:rPr lang="nl-BE"/>
+              <a:t>:	inzicht in temperatuur en waterverbruik systeem</a:t>
+            </a:r>
+            <a:endParaRPr lang="nl-BE" dirty="0"/>
           </a:p>
           <a:p>
             <a:pPr marL="457200" indent="-457200">
@@ -6579,17 +6579,25 @@
               <a:buAutoNum type="arabicPeriod"/>
             </a:pPr>
             <a:r>
+              <a:rPr lang="nl-BE" dirty="0" err="1"/>
+              <a:t>Modularity</a:t>
+            </a:r>
+            <a:r>
               <a:rPr lang="nl-BE" dirty="0"/>
-              <a:t>Service </a:t>
+              <a:t>:			Extra  systemen verbinden met </a:t>
             </a:r>
             <a:r>
               <a:rPr lang="nl-BE" dirty="0" err="1"/>
-              <a:t>orientation</a:t>
-            </a:r>
-            <a:r>
-              <a:rPr lang="nl-BE" dirty="0"/>
-              <a:t>:	inzicht in temperatuur en waterverbruik systeem</a:t>
-            </a:r>
+              <a:t>Sigfox</a:t>
+            </a:r>
+            <a:endParaRPr lang="nl-BE" dirty="0"/>
+          </a:p>
+          <a:p>
+            <a:pPr marL="457200" indent="-457200">
+              <a:buFont typeface="+mj-lt"/>
+              <a:buAutoNum type="arabicPeriod"/>
+            </a:pPr>
+            <a:endParaRPr lang="nl-BE" dirty="0"/>
           </a:p>
         </p:txBody>
       </p:sp>
@@ -7468,11 +7476,19 @@
             </a:pPr>
             <a:r>
               <a:rPr lang="nl-BE" dirty="0" err="1"/>
-              <a:t>Modularity</a:t>
+              <a:t>Virtualisation</a:t>
             </a:r>
             <a:r>
               <a:rPr lang="nl-BE" dirty="0"/>
-              <a:t>:			 Andere complexen/ketens/zalen op zelfde systeem</a:t>
+              <a:t>:		 Interface met </a:t>
+            </a:r>
+            <a:r>
+              <a:rPr lang="nl-BE" dirty="0" err="1"/>
+              <a:t>NodeJs</a:t>
+            </a:r>
+            <a:r>
+              <a:rPr lang="nl-BE" dirty="0"/>
+              <a:t> voor bestuurders</a:t>
             </a:r>
           </a:p>
           <a:p>
@@ -7482,19 +7498,11 @@
             </a:pPr>
             <a:r>
               <a:rPr lang="nl-BE" dirty="0" err="1"/>
-              <a:t>Virtualisation</a:t>
+              <a:t>Decentralisation</a:t>
             </a:r>
             <a:r>
               <a:rPr lang="nl-BE" dirty="0"/>
-              <a:t>:		 Interface met </a:t>
-            </a:r>
-            <a:r>
-              <a:rPr lang="nl-BE" dirty="0" err="1"/>
-              <a:t>NodeJs</a:t>
-            </a:r>
-            <a:r>
-              <a:rPr lang="nl-BE" dirty="0"/>
-              <a:t> voor bestuurders</a:t>
+              <a:t>:		 Individuele complexen, zalen passen automatisch aan</a:t>
             </a:r>
           </a:p>
           <a:p>
@@ -7521,12 +7529,16 @@
               <a:buAutoNum type="arabicPeriod"/>
             </a:pPr>
             <a:r>
+              <a:rPr lang="nl-BE" dirty="0"/>
+              <a:t>Service </a:t>
+            </a:r>
+            <a:r>
               <a:rPr lang="nl-BE" dirty="0" err="1"/>
-              <a:t>Decentralisation</a:t>
+              <a:t>orientation</a:t>
             </a:r>
             <a:r>
               <a:rPr lang="nl-BE" dirty="0"/>
-              <a:t>:		 Individuele complexen, zalen passen automatisch aan</a:t>
+              <a:t>:	 Database + web interface</a:t>
             </a:r>
           </a:p>
           <a:p>
@@ -7535,16 +7547,12 @@
               <a:buAutoNum type="arabicPeriod"/>
             </a:pPr>
             <a:r>
+              <a:rPr lang="nl-BE" dirty="0" err="1"/>
+              <a:t>Modularity</a:t>
+            </a:r>
+            <a:r>
               <a:rPr lang="nl-BE" dirty="0"/>
-              <a:t>Service </a:t>
-            </a:r>
-            <a:r>
-              <a:rPr lang="nl-BE" dirty="0" err="1"/>
-              <a:t>orientation</a:t>
-            </a:r>
-            <a:r>
-              <a:rPr lang="nl-BE" dirty="0"/>
-              <a:t>:	 Database + web interface 	</a:t>
+              <a:t>:			 Andere complexen/ketens/zalen op zelfde systeem</a:t>
             </a:r>
           </a:p>
         </p:txBody>
